--- a/share/presentations/2019_07_19_Präsentation -Final.pptx
+++ b/share/presentations/2019_07_19_Präsentation -Final.pptx
@@ -6,12 +6,7 @@
   </p:sldMasterIdLst>
   <p:sldIdLst>
     <p:sldId id="257" r:id="rId2"/>
-    <p:sldId id="267" r:id="rId3"/>
-    <p:sldId id="261" r:id="rId4"/>
-    <p:sldId id="263" r:id="rId5"/>
-    <p:sldId id="260" r:id="rId6"/>
-    <p:sldId id="266" r:id="rId7"/>
-    <p:sldId id="265" r:id="rId8"/>
+    <p:sldId id="268" r:id="rId3"/>
   </p:sldIdLst>
   <p:sldSz cx="12192000" cy="6858000"/>
   <p:notesSz cx="6858000" cy="9144000"/>
@@ -3397,7 +3392,7 @@
           <p:cNvPr id="2" name="Textfeld 1">
             <a:extLst>
               <a:ext uri="{FF2B5EF4-FFF2-40B4-BE49-F238E27FC236}">
-                <a16:creationId xmlns:a16="http://schemas.microsoft.com/office/drawing/2014/main" id="{E42F3D67-AE97-48EB-A5F7-80DA15E3CF28}"/>
+                <a16:creationId xmlns:a16="http://schemas.microsoft.com/office/drawing/2014/main" id="{2FAEEE68-2A13-4B67-B71F-FF53BDDFCE5B}"/>
               </a:ext>
             </a:extLst>
           </p:cNvPr>
@@ -3406,8 +3401,8 @@
         </p:nvSpPr>
         <p:spPr>
           <a:xfrm>
-            <a:off x="1109571" y="1743555"/>
-            <a:ext cx="3120919" cy="2369880"/>
+            <a:off x="230561" y="171450"/>
+            <a:ext cx="7398328" cy="1200329"/>
           </a:xfrm>
           <a:prstGeom prst="rect">
             <a:avLst/>
@@ -3415,174 +3410,62 @@
           <a:noFill/>
         </p:spPr>
         <p:txBody>
-          <a:bodyPr wrap="none" rtlCol="0">
+          <a:bodyPr wrap="square" rtlCol="0">
             <a:spAutoFit/>
           </a:bodyPr>
           <a:lstStyle/>
           <a:p>
+            <a:pPr marL="342900" indent="-342900">
+              <a:buFont typeface="+mj-lt"/>
+              <a:buAutoNum type="arabicPeriod"/>
+            </a:pPr>
             <a:r>
-              <a:rPr lang="de-DE" sz="3600" b="1" dirty="0">
-                <a:solidFill>
-                  <a:srgbClr val="2B5880"/>
-                </a:solidFill>
-              </a:rPr>
-              <a:t>Team:</a:t>
-            </a:r>
-            <a:br>
-              <a:rPr lang="de-DE" sz="3600" b="1" dirty="0">
-                <a:solidFill>
-                  <a:srgbClr val="2B5880"/>
-                </a:solidFill>
-              </a:rPr>
-            </a:br>
-            <a:r>
-              <a:rPr lang="de-DE" sz="2800" b="1" dirty="0">
-                <a:solidFill>
-                  <a:srgbClr val="2B5880"/>
-                </a:solidFill>
-              </a:rPr>
-              <a:t>Marco Petzold</a:t>
+              <a:rPr lang="de-DE" b="1" dirty="0"/>
+              <a:t>Deckblatt</a:t>
             </a:r>
           </a:p>
           <a:p>
+            <a:pPr marL="342900" indent="-342900">
+              <a:buFont typeface="+mj-lt"/>
+              <a:buAutoNum type="arabicPeriod"/>
+            </a:pPr>
             <a:r>
-              <a:rPr lang="de-DE" sz="2800" b="1" dirty="0">
-                <a:solidFill>
-                  <a:srgbClr val="2B5880"/>
-                </a:solidFill>
-              </a:rPr>
-              <a:t>Christian König</a:t>
+              <a:rPr lang="de-DE" b="1" dirty="0"/>
+              <a:t>UML</a:t>
             </a:r>
           </a:p>
           <a:p>
+            <a:pPr marL="342900" indent="-342900">
+              <a:buFont typeface="+mj-lt"/>
+              <a:buAutoNum type="arabicPeriod"/>
+            </a:pPr>
             <a:r>
-              <a:rPr lang="de-DE" sz="2800" b="1" dirty="0">
-                <a:solidFill>
-                  <a:srgbClr val="2B5880"/>
-                </a:solidFill>
-              </a:rPr>
-              <a:t>Danny Steinbrecher</a:t>
+              <a:rPr lang="de-DE" b="1" dirty="0"/>
+              <a:t>Prozess Grafiken (in Präsi den </a:t>
+            </a:r>
+            <a:r>
+              <a:rPr lang="de-DE" b="1" dirty="0" err="1"/>
+              <a:t>Rent</a:t>
+            </a:r>
+            <a:r>
+              <a:rPr lang="de-DE" b="1" dirty="0"/>
+              <a:t> und Return Prozess erklären)</a:t>
             </a:r>
           </a:p>
           <a:p>
+            <a:pPr marL="342900" indent="-342900">
+              <a:buFont typeface="+mj-lt"/>
+              <a:buAutoNum type="arabicPeriod"/>
+            </a:pPr>
             <a:r>
-              <a:rPr lang="de-DE" sz="2800" b="1" dirty="0">
-                <a:solidFill>
-                  <a:srgbClr val="2B5880"/>
-                </a:solidFill>
-              </a:rPr>
-              <a:t>Bilal </a:t>
+              <a:rPr lang="de-DE" b="1" dirty="0"/>
+              <a:t>Übergang an </a:t>
             </a:r>
             <a:r>
-              <a:rPr lang="de-DE" sz="2800" b="1" dirty="0" err="1">
-                <a:solidFill>
-                  <a:srgbClr val="2B5880"/>
-                </a:solidFill>
-              </a:rPr>
-              <a:t>Alnani</a:t>
+              <a:rPr lang="de-DE" b="1" dirty="0" err="1"/>
+              <a:t>intellij</a:t>
             </a:r>
-            <a:endParaRPr lang="en-GB" sz="3600" b="1" dirty="0">
-              <a:solidFill>
-                <a:srgbClr val="2B5880"/>
-              </a:solidFill>
-            </a:endParaRPr>
-          </a:p>
-        </p:txBody>
-      </p:sp>
-      <p:sp>
-        <p:nvSpPr>
-          <p:cNvPr id="3" name="Textfeld 2">
-            <a:extLst>
-              <a:ext uri="{FF2B5EF4-FFF2-40B4-BE49-F238E27FC236}">
-                <a16:creationId xmlns:a16="http://schemas.microsoft.com/office/drawing/2014/main" id="{4A50FF17-72C0-4436-B594-B7152A4329AF}"/>
-              </a:ext>
-            </a:extLst>
-          </p:cNvPr>
-          <p:cNvSpPr txBox="1"/>
-          <p:nvPr/>
-        </p:nvSpPr>
-        <p:spPr>
-          <a:xfrm>
-            <a:off x="1109571" y="312241"/>
-            <a:ext cx="3014928" cy="830997"/>
-          </a:xfrm>
-          <a:prstGeom prst="rect">
-            <a:avLst/>
-          </a:prstGeom>
-          <a:noFill/>
-        </p:spPr>
-        <p:txBody>
-          <a:bodyPr wrap="none" rtlCol="0">
-            <a:spAutoFit/>
-          </a:bodyPr>
-          <a:lstStyle/>
-          <a:p>
-            <a:r>
-              <a:rPr lang="de-DE" sz="4800" b="1" dirty="0" err="1">
-                <a:ln w="0"/>
-                <a:gradFill>
-                  <a:gsLst>
-                    <a:gs pos="0">
-                      <a:schemeClr val="accent5">
-                        <a:lumMod val="50000"/>
-                      </a:schemeClr>
-                    </a:gs>
-                    <a:gs pos="50000">
-                      <a:schemeClr val="accent5"/>
-                    </a:gs>
-                    <a:gs pos="100000">
-                      <a:schemeClr val="accent5">
-                        <a:lumMod val="60000"/>
-                        <a:lumOff val="40000"/>
-                      </a:schemeClr>
-                    </a:gs>
-                  </a:gsLst>
-                  <a:lin ang="5400000"/>
-                </a:gradFill>
-                <a:effectLst>
-                  <a:outerShdw blurRad="38100" dist="38100" dir="2700000" algn="tl">
-                    <a:srgbClr val="000000">
-                      <a:alpha val="43137"/>
-                    </a:srgbClr>
-                  </a:outerShdw>
-                  <a:reflection blurRad="6350" stA="53000" endA="300" endPos="35500" dir="5400000" sy="-90000" algn="bl" rotWithShape="0"/>
-                </a:effectLst>
-              </a:rPr>
-              <a:t>Rent</a:t>
-            </a:r>
-            <a:r>
-              <a:rPr lang="de-DE" sz="4800" b="1" dirty="0">
-                <a:ln w="0"/>
-                <a:gradFill>
-                  <a:gsLst>
-                    <a:gs pos="0">
-                      <a:schemeClr val="accent5">
-                        <a:lumMod val="50000"/>
-                      </a:schemeClr>
-                    </a:gs>
-                    <a:gs pos="50000">
-                      <a:schemeClr val="accent5"/>
-                    </a:gs>
-                    <a:gs pos="100000">
-                      <a:schemeClr val="accent5">
-                        <a:lumMod val="60000"/>
-                        <a:lumOff val="40000"/>
-                      </a:schemeClr>
-                    </a:gs>
-                  </a:gsLst>
-                  <a:lin ang="5400000"/>
-                </a:gradFill>
-                <a:effectLst>
-                  <a:outerShdw blurRad="38100" dist="38100" dir="2700000" algn="tl">
-                    <a:srgbClr val="000000">
-                      <a:alpha val="43137"/>
-                    </a:srgbClr>
-                  </a:outerShdw>
-                  <a:reflection blurRad="6350" stA="53000" endA="300" endPos="35500" dir="5400000" sy="-90000" algn="bl" rotWithShape="0"/>
-                </a:effectLst>
-              </a:rPr>
-              <a:t> a Tool</a:t>
-            </a:r>
+            <a:endParaRPr lang="de-DE" b="1" dirty="0"/>
           </a:p>
         </p:txBody>
       </p:sp>
@@ -3591,15 +3474,17 @@
           <p:cNvPr id="4" name="Grafik 3">
             <a:extLst>
               <a:ext uri="{FF2B5EF4-FFF2-40B4-BE49-F238E27FC236}">
-                <a16:creationId xmlns:a16="http://schemas.microsoft.com/office/drawing/2014/main" id="{A529574D-EFF8-4E99-8B8D-EE1959289971}"/>
+                <a16:creationId xmlns:a16="http://schemas.microsoft.com/office/drawing/2014/main" id="{4B76633A-7533-44FA-BDCC-A2D5C4191521}"/>
               </a:ext>
             </a:extLst>
           </p:cNvPr>
-          <p:cNvPicPr/>
+          <p:cNvPicPr>
+            <a:picLocks noChangeAspect="1"/>
+          </p:cNvPicPr>
           <p:nvPr/>
         </p:nvPicPr>
         <p:blipFill>
-          <a:blip r:embed="rId2" cstate="print">
+          <a:blip r:embed="rId2">
             <a:extLst>
               <a:ext uri="{28A0092B-C50C-407E-A947-70E740481C1C}">
                 <a14:useLocalDpi xmlns:a14="http://schemas.microsoft.com/office/drawing/2010/main" val="0"/>
@@ -3612,104 +3497,20 @@
         </p:blipFill>
         <p:spPr>
           <a:xfrm>
-            <a:off x="6361280" y="2091837"/>
-            <a:ext cx="1016635" cy="1021080"/>
+            <a:off x="7895924" y="257175"/>
+            <a:ext cx="4003150" cy="3016224"/>
           </a:xfrm>
           <a:prstGeom prst="rect">
             <a:avLst/>
           </a:prstGeom>
         </p:spPr>
       </p:pic>
-      <p:sp>
-        <p:nvSpPr>
-          <p:cNvPr id="5" name="Textfeld 4">
+      <p:pic>
+        <p:nvPicPr>
+          <p:cNvPr id="6" name="Grafik 5" descr="Ein Bild, das Screenshot enthält.&#10;&#10;Automatisch generierte Beschreibung">
             <a:extLst>
               <a:ext uri="{FF2B5EF4-FFF2-40B4-BE49-F238E27FC236}">
-                <a16:creationId xmlns:a16="http://schemas.microsoft.com/office/drawing/2014/main" id="{F94C3252-5966-4012-879B-7B32CDB63F57}"/>
-              </a:ext>
-            </a:extLst>
-          </p:cNvPr>
-          <p:cNvSpPr txBox="1"/>
-          <p:nvPr/>
-        </p:nvSpPr>
-        <p:spPr>
-          <a:xfrm>
-            <a:off x="7512615" y="2146024"/>
-            <a:ext cx="2045816" cy="1200329"/>
-          </a:xfrm>
-          <a:prstGeom prst="rect">
-            <a:avLst/>
-          </a:prstGeom>
-          <a:noFill/>
-        </p:spPr>
-        <p:txBody>
-          <a:bodyPr wrap="none" rtlCol="0">
-            <a:spAutoFit/>
-          </a:bodyPr>
-          <a:lstStyle/>
-          <a:p>
-            <a:r>
-              <a:rPr lang="en-GB" sz="2400" dirty="0">
-                <a:solidFill>
-                  <a:srgbClr val="2B5880"/>
-                </a:solidFill>
-                <a:latin typeface="MS Reference Sans Serif" panose="020B0604030504040204" pitchFamily="34" charset="0"/>
-              </a:rPr>
-              <a:t>KSP</a:t>
-            </a:r>
-          </a:p>
-          <a:p>
-            <a:r>
-              <a:rPr lang="en-GB" sz="2400" dirty="0">
-                <a:solidFill>
-                  <a:srgbClr val="2B5880"/>
-                </a:solidFill>
-                <a:latin typeface="MS Reference Sans Serif" panose="020B0604030504040204" pitchFamily="34" charset="0"/>
-              </a:rPr>
-              <a:t>IT-Solutions</a:t>
-            </a:r>
-          </a:p>
-          <a:p>
-            <a:endParaRPr lang="en-GB" sz="2400" dirty="0"/>
-          </a:p>
-        </p:txBody>
-      </p:sp>
-    </p:spTree>
-    <p:extLst>
-      <p:ext uri="{BB962C8B-B14F-4D97-AF65-F5344CB8AC3E}">
-        <p14:creationId xmlns:p14="http://schemas.microsoft.com/office/powerpoint/2010/main" val="2456074055"/>
-      </p:ext>
-    </p:extLst>
-  </p:cSld>
-  <p:clrMapOvr>
-    <a:masterClrMapping/>
-  </p:clrMapOvr>
-</p:sld>
-</file>
-
-<file path=ppt/slides/slide3.xml><?xml version="1.0" encoding="utf-8"?>
-<p:sld xmlns:a="http://schemas.openxmlformats.org/drawingml/2006/main" xmlns:r="http://schemas.openxmlformats.org/officeDocument/2006/relationships" xmlns:p="http://schemas.openxmlformats.org/presentationml/2006/main">
-  <p:cSld>
-    <p:spTree>
-      <p:nvGrpSpPr>
-        <p:cNvPr id="1" name=""/>
-        <p:cNvGrpSpPr/>
-        <p:nvPr/>
-      </p:nvGrpSpPr>
-      <p:grpSpPr>
-        <a:xfrm>
-          <a:off x="0" y="0"/>
-          <a:ext cx="0" cy="0"/>
-          <a:chOff x="0" y="0"/>
-          <a:chExt cx="0" cy="0"/>
-        </a:xfrm>
-      </p:grpSpPr>
-      <p:pic>
-        <p:nvPicPr>
-          <p:cNvPr id="3" name="Grafik 2">
-            <a:extLst>
-              <a:ext uri="{FF2B5EF4-FFF2-40B4-BE49-F238E27FC236}">
-                <a16:creationId xmlns:a16="http://schemas.microsoft.com/office/drawing/2014/main" id="{F16C5E53-DC7D-47A8-9BCB-04FFA895EA09}"/>
+                <a16:creationId xmlns:a16="http://schemas.microsoft.com/office/drawing/2014/main" id="{061EC7D0-D9DB-497E-B633-B34B5CA6351C}"/>
               </a:ext>
             </a:extLst>
           </p:cNvPr>
@@ -3719,7 +3520,7 @@
           <p:nvPr/>
         </p:nvPicPr>
         <p:blipFill>
-          <a:blip r:embed="rId2" cstate="print">
+          <a:blip r:embed="rId3">
             <a:extLst>
               <a:ext uri="{28A0092B-C50C-407E-A947-70E740481C1C}">
                 <a14:useLocalDpi xmlns:a14="http://schemas.microsoft.com/office/drawing/2010/main" val="0"/>
@@ -3732,1838 +3533,20 @@
         </p:blipFill>
         <p:spPr>
           <a:xfrm>
-            <a:off x="6096000" y="423636"/>
-            <a:ext cx="5761978" cy="3841319"/>
-          </a:xfrm>
-          <a:prstGeom prst="rect">
-            <a:avLst/>
-          </a:prstGeom>
-          <a:solidFill>
-            <a:srgbClr val="FFFFFF">
-              <a:shade val="85000"/>
-            </a:srgbClr>
-          </a:solidFill>
-          <a:ln w="190500" cap="rnd">
-            <a:solidFill>
-              <a:srgbClr val="FFFFFF"/>
-            </a:solidFill>
-          </a:ln>
-          <a:effectLst>
-            <a:outerShdw blurRad="36195" dist="12700" dir="11400000" algn="tl" rotWithShape="0">
-              <a:srgbClr val="000000">
-                <a:alpha val="33000"/>
-              </a:srgbClr>
-            </a:outerShdw>
-          </a:effectLst>
-          <a:scene3d>
-            <a:camera prst="perspectiveContrastingLeftFacing">
-              <a:rot lat="540000" lon="2100000" rev="0"/>
-            </a:camera>
-            <a:lightRig rig="soft" dir="t"/>
-          </a:scene3d>
-          <a:sp3d contourW="12700" prstMaterial="matte">
-            <a:bevelT w="63500" h="50800"/>
-            <a:contourClr>
-              <a:srgbClr val="C0C0C0"/>
-            </a:contourClr>
-          </a:sp3d>
-        </p:spPr>
-      </p:pic>
-      <p:sp>
-        <p:nvSpPr>
-          <p:cNvPr id="2" name="Textfeld 1">
-            <a:extLst>
-              <a:ext uri="{FF2B5EF4-FFF2-40B4-BE49-F238E27FC236}">
-                <a16:creationId xmlns:a16="http://schemas.microsoft.com/office/drawing/2014/main" id="{0E67782F-5946-496F-8826-E3544095B546}"/>
-              </a:ext>
-            </a:extLst>
-          </p:cNvPr>
-          <p:cNvSpPr txBox="1"/>
-          <p:nvPr/>
-        </p:nvSpPr>
-        <p:spPr>
-          <a:xfrm rot="702557">
-            <a:off x="10590460" y="4720255"/>
-            <a:ext cx="1143262" cy="246221"/>
-          </a:xfrm>
-          <a:prstGeom prst="rect">
-            <a:avLst/>
-          </a:prstGeom>
-          <a:noFill/>
-        </p:spPr>
-        <p:txBody>
-          <a:bodyPr wrap="none" rtlCol="0">
-            <a:spAutoFit/>
-          </a:bodyPr>
-          <a:lstStyle/>
-          <a:p>
-            <a:r>
-              <a:rPr lang="de-DE" sz="1000" dirty="0">
-                <a:hlinkClick r:id="rId3"/>
-              </a:rPr>
-              <a:t>Quelle: bitpage.de</a:t>
-            </a:r>
-            <a:endParaRPr lang="de-DE" sz="1000" dirty="0"/>
-          </a:p>
-        </p:txBody>
-      </p:sp>
-      <p:grpSp>
-        <p:nvGrpSpPr>
-          <p:cNvPr id="25" name="Gruppieren 24">
-            <a:extLst>
-              <a:ext uri="{FF2B5EF4-FFF2-40B4-BE49-F238E27FC236}">
-                <a16:creationId xmlns:a16="http://schemas.microsoft.com/office/drawing/2014/main" id="{4C11C334-2266-4838-A33B-792688B61A93}"/>
-              </a:ext>
-            </a:extLst>
-          </p:cNvPr>
-          <p:cNvGrpSpPr/>
-          <p:nvPr/>
-        </p:nvGrpSpPr>
-        <p:grpSpPr>
-          <a:xfrm>
-            <a:off x="1823237" y="1293584"/>
-            <a:ext cx="1835142" cy="1206985"/>
-            <a:chOff x="3598676" y="1740379"/>
-            <a:chExt cx="1835142" cy="1206985"/>
-          </a:xfrm>
-        </p:grpSpPr>
-        <p:grpSp>
-          <p:nvGrpSpPr>
-            <p:cNvPr id="16" name="Gruppieren 15">
-              <a:extLst>
-                <a:ext uri="{FF2B5EF4-FFF2-40B4-BE49-F238E27FC236}">
-                  <a16:creationId xmlns:a16="http://schemas.microsoft.com/office/drawing/2014/main" id="{175996B6-2E9A-4CA2-B231-9AAD8B6F1479}"/>
-                </a:ext>
-              </a:extLst>
-            </p:cNvPr>
-            <p:cNvGrpSpPr/>
-            <p:nvPr/>
-          </p:nvGrpSpPr>
-          <p:grpSpPr>
-            <a:xfrm>
-              <a:off x="3598676" y="1740379"/>
-              <a:ext cx="1522309" cy="1206985"/>
-              <a:chOff x="2036768" y="1347187"/>
-              <a:chExt cx="1522309" cy="1206985"/>
-            </a:xfrm>
-          </p:grpSpPr>
-          <p:pic>
-            <p:nvPicPr>
-              <p:cNvPr id="17" name="Grafik 16" descr="Zuhause">
-                <a:extLst>
-                  <a:ext uri="{FF2B5EF4-FFF2-40B4-BE49-F238E27FC236}">
-                    <a16:creationId xmlns:a16="http://schemas.microsoft.com/office/drawing/2014/main" id="{484E1F3F-1545-4BA0-8BA4-41A5F9C55705}"/>
-                  </a:ext>
-                </a:extLst>
-              </p:cNvPr>
-              <p:cNvPicPr>
-                <a:picLocks noChangeAspect="1"/>
-              </p:cNvPicPr>
-              <p:nvPr/>
-            </p:nvPicPr>
-            <p:blipFill>
-              <a:blip r:embed="rId4" cstate="print">
-                <a:extLst>
-                  <a:ext uri="{28A0092B-C50C-407E-A947-70E740481C1C}">
-                    <a14:useLocalDpi xmlns:a14="http://schemas.microsoft.com/office/drawing/2010/main" val="0"/>
-                  </a:ext>
-                  <a:ext uri="{96DAC541-7B7A-43D3-8B79-37D633B846F1}">
-                    <asvg:svgBlip xmlns:asvg="http://schemas.microsoft.com/office/drawing/2016/SVG/main" r:embed="rId5"/>
-                  </a:ext>
-                </a:extLst>
-              </a:blip>
-              <a:stretch>
-                <a:fillRect/>
-              </a:stretch>
-            </p:blipFill>
-            <p:spPr>
-              <a:xfrm>
-                <a:off x="2036768" y="1347187"/>
-                <a:ext cx="914400" cy="914400"/>
-              </a:xfrm>
-              <a:prstGeom prst="rect">
-                <a:avLst/>
-              </a:prstGeom>
-            </p:spPr>
-          </p:pic>
-          <p:sp>
-            <p:nvSpPr>
-              <p:cNvPr id="18" name="Textfeld 17">
-                <a:extLst>
-                  <a:ext uri="{FF2B5EF4-FFF2-40B4-BE49-F238E27FC236}">
-                    <a16:creationId xmlns:a16="http://schemas.microsoft.com/office/drawing/2014/main" id="{28A0D7BA-5611-4857-A02C-FF27C033180A}"/>
-                  </a:ext>
-                </a:extLst>
-              </p:cNvPr>
-              <p:cNvSpPr txBox="1"/>
-              <p:nvPr/>
-            </p:nvSpPr>
-            <p:spPr>
-              <a:xfrm>
-                <a:off x="2336690" y="2184840"/>
-                <a:ext cx="1222387" cy="369332"/>
-              </a:xfrm>
-              <a:prstGeom prst="rect">
-                <a:avLst/>
-              </a:prstGeom>
-              <a:noFill/>
-            </p:spPr>
-            <p:txBody>
-              <a:bodyPr wrap="none" rtlCol="0">
-                <a:spAutoFit/>
-              </a:bodyPr>
-              <a:lstStyle/>
-              <a:p>
-                <a:pPr algn="ctr"/>
-                <a:r>
-                  <a:rPr lang="de-DE" dirty="0" err="1"/>
-                  <a:t>Rent</a:t>
-                </a:r>
-                <a:r>
-                  <a:rPr lang="de-DE" dirty="0"/>
-                  <a:t> a Tool</a:t>
-                </a:r>
-              </a:p>
-            </p:txBody>
-          </p:sp>
-        </p:grpSp>
-        <p:pic>
-          <p:nvPicPr>
-            <p:cNvPr id="20" name="Grafik 19" descr="Fabrik">
-              <a:extLst>
-                <a:ext uri="{FF2B5EF4-FFF2-40B4-BE49-F238E27FC236}">
-                  <a16:creationId xmlns:a16="http://schemas.microsoft.com/office/drawing/2014/main" id="{37B64965-4921-44EB-8BEC-F47DEC0CD06E}"/>
-                </a:ext>
-              </a:extLst>
-            </p:cNvPr>
-            <p:cNvPicPr>
-              <a:picLocks noChangeAspect="1"/>
-            </p:cNvPicPr>
-            <p:nvPr/>
-          </p:nvPicPr>
-          <p:blipFill>
-            <a:blip r:embed="rId6" cstate="print">
-              <a:extLst>
-                <a:ext uri="{28A0092B-C50C-407E-A947-70E740481C1C}">
-                  <a14:useLocalDpi xmlns:a14="http://schemas.microsoft.com/office/drawing/2010/main" val="0"/>
-                </a:ext>
-                <a:ext uri="{96DAC541-7B7A-43D3-8B79-37D633B846F1}">
-                  <asvg:svgBlip xmlns:asvg="http://schemas.microsoft.com/office/drawing/2016/SVG/main" r:embed="rId7"/>
-                </a:ext>
-              </a:extLst>
-            </a:blip>
-            <a:stretch>
-              <a:fillRect/>
-            </a:stretch>
-          </p:blipFill>
-          <p:spPr>
-            <a:xfrm>
-              <a:off x="4519418" y="1812476"/>
-              <a:ext cx="914400" cy="914400"/>
-            </a:xfrm>
-            <a:prstGeom prst="rect">
-              <a:avLst/>
-            </a:prstGeom>
-          </p:spPr>
-        </p:pic>
-      </p:grpSp>
-      <p:sp>
-        <p:nvSpPr>
-          <p:cNvPr id="24" name="Rechteck 23">
-            <a:extLst>
-              <a:ext uri="{FF2B5EF4-FFF2-40B4-BE49-F238E27FC236}">
-                <a16:creationId xmlns:a16="http://schemas.microsoft.com/office/drawing/2014/main" id="{5102E2C8-A53F-4808-A5B0-0260D24A8BF4}"/>
-              </a:ext>
-            </a:extLst>
-          </p:cNvPr>
-          <p:cNvSpPr/>
-          <p:nvPr/>
-        </p:nvSpPr>
-        <p:spPr>
-          <a:xfrm>
-            <a:off x="433003" y="1050226"/>
-            <a:ext cx="5036443" cy="369332"/>
-          </a:xfrm>
-          <a:prstGeom prst="rect">
-            <a:avLst/>
-          </a:prstGeom>
-        </p:spPr>
-        <p:txBody>
-          <a:bodyPr wrap="none">
-            <a:spAutoFit/>
-          </a:bodyPr>
-          <a:lstStyle/>
-          <a:p>
-            <a:r>
-              <a:rPr lang="de-DE" b="1" dirty="0"/>
-              <a:t>Ausgangspunkt des Projektes / Firma „</a:t>
-            </a:r>
-            <a:r>
-              <a:rPr lang="de-DE" b="1" dirty="0" err="1"/>
-              <a:t>Rent</a:t>
-            </a:r>
-            <a:r>
-              <a:rPr lang="de-DE" b="1" dirty="0"/>
-              <a:t> a Tool“</a:t>
-            </a:r>
-          </a:p>
-        </p:txBody>
-      </p:sp>
-      <p:grpSp>
-        <p:nvGrpSpPr>
-          <p:cNvPr id="45" name="Gruppieren 44">
-            <a:extLst>
-              <a:ext uri="{FF2B5EF4-FFF2-40B4-BE49-F238E27FC236}">
-                <a16:creationId xmlns:a16="http://schemas.microsoft.com/office/drawing/2014/main" id="{BE98B80C-783B-4ACB-91BB-8395F64674EF}"/>
-              </a:ext>
-            </a:extLst>
-          </p:cNvPr>
-          <p:cNvGrpSpPr/>
-          <p:nvPr/>
-        </p:nvGrpSpPr>
-        <p:grpSpPr>
-          <a:xfrm>
-            <a:off x="1154986" y="3835855"/>
-            <a:ext cx="2420295" cy="1628324"/>
-            <a:chOff x="2776743" y="4021915"/>
-            <a:chExt cx="2420295" cy="1628324"/>
-          </a:xfrm>
-        </p:grpSpPr>
-        <p:sp>
-          <p:nvSpPr>
-            <p:cNvPr id="22" name="Rechteck 21">
-              <a:extLst>
-                <a:ext uri="{FF2B5EF4-FFF2-40B4-BE49-F238E27FC236}">
-                  <a16:creationId xmlns:a16="http://schemas.microsoft.com/office/drawing/2014/main" id="{6A395119-A4CA-4019-B860-36B5CA428133}"/>
-                </a:ext>
-              </a:extLst>
-            </p:cNvPr>
-            <p:cNvSpPr/>
-            <p:nvPr/>
-          </p:nvSpPr>
-          <p:spPr>
-            <a:xfrm>
-              <a:off x="3587846" y="4021915"/>
-              <a:ext cx="599844" cy="369332"/>
-            </a:xfrm>
-            <a:prstGeom prst="rect">
-              <a:avLst/>
-            </a:prstGeom>
-          </p:spPr>
-          <p:txBody>
-            <a:bodyPr wrap="none">
-              <a:spAutoFit/>
-            </a:bodyPr>
-            <a:lstStyle/>
-            <a:p>
-              <a:r>
-                <a:rPr lang="de-DE" b="1" dirty="0">
-                  <a:sym typeface="Wingdings" panose="05000000000000000000" pitchFamily="2" charset="2"/>
-                </a:rPr>
-                <a:t>Idee</a:t>
-              </a:r>
-              <a:endParaRPr lang="de-DE" b="1" dirty="0"/>
-            </a:p>
-          </p:txBody>
-        </p:sp>
-        <p:pic>
-          <p:nvPicPr>
-            <p:cNvPr id="27" name="Grafik 26" descr="Kopf mit Zahnrädern">
-              <a:extLst>
-                <a:ext uri="{FF2B5EF4-FFF2-40B4-BE49-F238E27FC236}">
-                  <a16:creationId xmlns:a16="http://schemas.microsoft.com/office/drawing/2014/main" id="{EFB4C544-DC96-4BE3-A8D0-885B3C3212F9}"/>
-                </a:ext>
-              </a:extLst>
-            </p:cNvPr>
-            <p:cNvPicPr>
-              <a:picLocks noChangeAspect="1"/>
-            </p:cNvPicPr>
-            <p:nvPr/>
-          </p:nvPicPr>
-          <p:blipFill>
-            <a:blip r:embed="rId8" cstate="print">
-              <a:extLst>
-                <a:ext uri="{28A0092B-C50C-407E-A947-70E740481C1C}">
-                  <a14:useLocalDpi xmlns:a14="http://schemas.microsoft.com/office/drawing/2010/main" val="0"/>
-                </a:ext>
-                <a:ext uri="{96DAC541-7B7A-43D3-8B79-37D633B846F1}">
-                  <asvg:svgBlip xmlns:asvg="http://schemas.microsoft.com/office/drawing/2016/SVG/main" r:embed="rId9"/>
-                </a:ext>
-              </a:extLst>
-            </a:blip>
-            <a:stretch>
-              <a:fillRect/>
-            </a:stretch>
-          </p:blipFill>
-          <p:spPr>
-            <a:xfrm>
-              <a:off x="2776743" y="4410508"/>
-              <a:ext cx="914400" cy="914400"/>
-            </a:xfrm>
-            <a:prstGeom prst="rect">
-              <a:avLst/>
-            </a:prstGeom>
-          </p:spPr>
-        </p:pic>
-        <p:pic>
-          <p:nvPicPr>
-            <p:cNvPr id="29" name="Grafik 28" descr="Gruppenbrainstorming">
-              <a:extLst>
-                <a:ext uri="{FF2B5EF4-FFF2-40B4-BE49-F238E27FC236}">
-                  <a16:creationId xmlns:a16="http://schemas.microsoft.com/office/drawing/2014/main" id="{B1957259-2093-409C-9A55-5BC706AE777B}"/>
-                </a:ext>
-              </a:extLst>
-            </p:cNvPr>
-            <p:cNvPicPr>
-              <a:picLocks noChangeAspect="1"/>
-            </p:cNvPicPr>
-            <p:nvPr/>
-          </p:nvPicPr>
-          <p:blipFill>
-            <a:blip r:embed="rId10" cstate="print">
-              <a:extLst>
-                <a:ext uri="{28A0092B-C50C-407E-A947-70E740481C1C}">
-                  <a14:useLocalDpi xmlns:a14="http://schemas.microsoft.com/office/drawing/2010/main" val="0"/>
-                </a:ext>
-                <a:ext uri="{96DAC541-7B7A-43D3-8B79-37D633B846F1}">
-                  <asvg:svgBlip xmlns:asvg="http://schemas.microsoft.com/office/drawing/2016/SVG/main" r:embed="rId11"/>
-                </a:ext>
-              </a:extLst>
-            </a:blip>
-            <a:stretch>
-              <a:fillRect/>
-            </a:stretch>
-          </p:blipFill>
-          <p:spPr>
-            <a:xfrm>
-              <a:off x="3489056" y="4735839"/>
-              <a:ext cx="914400" cy="914400"/>
-            </a:xfrm>
-            <a:prstGeom prst="rect">
-              <a:avLst/>
-            </a:prstGeom>
-          </p:spPr>
-        </p:pic>
-        <p:pic>
-          <p:nvPicPr>
-            <p:cNvPr id="35" name="Grafik 34" descr="Puzzleteile">
-              <a:extLst>
-                <a:ext uri="{FF2B5EF4-FFF2-40B4-BE49-F238E27FC236}">
-                  <a16:creationId xmlns:a16="http://schemas.microsoft.com/office/drawing/2014/main" id="{1D2CDC09-ADC2-49C3-9A92-B9A48568EC69}"/>
-                </a:ext>
-              </a:extLst>
-            </p:cNvPr>
-            <p:cNvPicPr>
-              <a:picLocks noChangeAspect="1"/>
-            </p:cNvPicPr>
-            <p:nvPr/>
-          </p:nvPicPr>
-          <p:blipFill>
-            <a:blip r:embed="rId12" cstate="print">
-              <a:extLst>
-                <a:ext uri="{28A0092B-C50C-407E-A947-70E740481C1C}">
-                  <a14:useLocalDpi xmlns:a14="http://schemas.microsoft.com/office/drawing/2010/main" val="0"/>
-                </a:ext>
-                <a:ext uri="{96DAC541-7B7A-43D3-8B79-37D633B846F1}">
-                  <asvg:svgBlip xmlns:asvg="http://schemas.microsoft.com/office/drawing/2016/SVG/main" r:embed="rId13"/>
-                </a:ext>
-              </a:extLst>
-            </a:blip>
-            <a:stretch>
-              <a:fillRect/>
-            </a:stretch>
-          </p:blipFill>
-          <p:spPr>
-            <a:xfrm>
-              <a:off x="4282638" y="4327985"/>
-              <a:ext cx="914400" cy="914400"/>
-            </a:xfrm>
-            <a:prstGeom prst="rect">
-              <a:avLst/>
-            </a:prstGeom>
-          </p:spPr>
-        </p:pic>
-      </p:grpSp>
-      <p:grpSp>
-        <p:nvGrpSpPr>
-          <p:cNvPr id="44" name="Gruppieren 43">
-            <a:extLst>
-              <a:ext uri="{FF2B5EF4-FFF2-40B4-BE49-F238E27FC236}">
-                <a16:creationId xmlns:a16="http://schemas.microsoft.com/office/drawing/2014/main" id="{98D0EAFD-12F6-4C62-8D1E-80A42AC143F8}"/>
-              </a:ext>
-            </a:extLst>
-          </p:cNvPr>
-          <p:cNvGrpSpPr/>
-          <p:nvPr/>
-        </p:nvGrpSpPr>
-        <p:grpSpPr>
-          <a:xfrm>
-            <a:off x="3919602" y="2962459"/>
-            <a:ext cx="1742593" cy="1199014"/>
-            <a:chOff x="1621275" y="2955005"/>
-            <a:chExt cx="1742593" cy="1199014"/>
-          </a:xfrm>
-        </p:grpSpPr>
-        <p:sp>
-          <p:nvSpPr>
-            <p:cNvPr id="23" name="Rechteck 22">
-              <a:extLst>
-                <a:ext uri="{FF2B5EF4-FFF2-40B4-BE49-F238E27FC236}">
-                  <a16:creationId xmlns:a16="http://schemas.microsoft.com/office/drawing/2014/main" id="{14CFEDBC-995B-4294-A08D-FAD4B0375BE8}"/>
-                </a:ext>
-              </a:extLst>
-            </p:cNvPr>
-            <p:cNvSpPr/>
-            <p:nvPr/>
-          </p:nvSpPr>
-          <p:spPr>
-            <a:xfrm>
-              <a:off x="1621275" y="2955005"/>
-              <a:ext cx="1742593" cy="369332"/>
-            </a:xfrm>
-            <a:prstGeom prst="rect">
-              <a:avLst/>
-            </a:prstGeom>
-          </p:spPr>
-          <p:txBody>
-            <a:bodyPr wrap="none">
-              <a:spAutoFit/>
-            </a:bodyPr>
-            <a:lstStyle/>
-            <a:p>
-              <a:r>
-                <a:rPr lang="de-DE" b="1" dirty="0"/>
-                <a:t>Problemstellung</a:t>
-              </a:r>
-            </a:p>
-          </p:txBody>
-        </p:sp>
-        <p:pic>
-          <p:nvPicPr>
-            <p:cNvPr id="41" name="Grafik 40" descr="Blitz">
-              <a:extLst>
-                <a:ext uri="{FF2B5EF4-FFF2-40B4-BE49-F238E27FC236}">
-                  <a16:creationId xmlns:a16="http://schemas.microsoft.com/office/drawing/2014/main" id="{C075CFF9-E2C8-46BD-98E8-D0CCC86D5DC9}"/>
-                </a:ext>
-              </a:extLst>
-            </p:cNvPr>
-            <p:cNvPicPr>
-              <a:picLocks noChangeAspect="1"/>
-            </p:cNvPicPr>
-            <p:nvPr/>
-          </p:nvPicPr>
-          <p:blipFill>
-            <a:blip r:embed="rId14" cstate="print">
-              <a:extLst>
-                <a:ext uri="{28A0092B-C50C-407E-A947-70E740481C1C}">
-                  <a14:useLocalDpi xmlns:a14="http://schemas.microsoft.com/office/drawing/2010/main" val="0"/>
-                </a:ext>
-                <a:ext uri="{96DAC541-7B7A-43D3-8B79-37D633B846F1}">
-                  <asvg:svgBlip xmlns:asvg="http://schemas.microsoft.com/office/drawing/2016/SVG/main" r:embed="rId15"/>
-                </a:ext>
-              </a:extLst>
-            </a:blip>
-            <a:stretch>
-              <a:fillRect/>
-            </a:stretch>
-          </p:blipFill>
-          <p:spPr>
-            <a:xfrm>
-              <a:off x="2019670" y="3239619"/>
-              <a:ext cx="914400" cy="914400"/>
-            </a:xfrm>
-            <a:prstGeom prst="rect">
-              <a:avLst/>
-            </a:prstGeom>
-          </p:spPr>
-        </p:pic>
-      </p:grpSp>
-      <p:cxnSp>
-        <p:nvCxnSpPr>
-          <p:cNvPr id="48" name="Verbinder: gekrümmt 47">
-            <a:extLst>
-              <a:ext uri="{FF2B5EF4-FFF2-40B4-BE49-F238E27FC236}">
-                <a16:creationId xmlns:a16="http://schemas.microsoft.com/office/drawing/2014/main" id="{876B44C7-1E02-4DF3-8D0F-7D08B279EA35}"/>
-              </a:ext>
-            </a:extLst>
-          </p:cNvPr>
-          <p:cNvCxnSpPr>
-            <a:cxnSpLocks/>
-            <a:stCxn id="20" idx="3"/>
-            <a:endCxn id="23" idx="0"/>
-          </p:cNvCxnSpPr>
-          <p:nvPr/>
-        </p:nvCxnSpPr>
-        <p:spPr>
-          <a:xfrm>
-            <a:off x="3658379" y="1822881"/>
-            <a:ext cx="1132520" cy="1139578"/>
-          </a:xfrm>
-          <a:prstGeom prst="curvedConnector2">
-            <a:avLst/>
-          </a:prstGeom>
-          <a:ln w="76200">
-            <a:solidFill>
-              <a:srgbClr val="2B5880"/>
-            </a:solidFill>
-            <a:tailEnd type="triangle"/>
-          </a:ln>
-        </p:spPr>
-        <p:style>
-          <a:lnRef idx="1">
-            <a:schemeClr val="accent1"/>
-          </a:lnRef>
-          <a:fillRef idx="0">
-            <a:schemeClr val="accent1"/>
-          </a:fillRef>
-          <a:effectRef idx="0">
-            <a:schemeClr val="accent1"/>
-          </a:effectRef>
-          <a:fontRef idx="minor">
-            <a:schemeClr val="tx1"/>
-          </a:fontRef>
-        </p:style>
-      </p:cxnSp>
-      <p:cxnSp>
-        <p:nvCxnSpPr>
-          <p:cNvPr id="51" name="Verbinder: gekrümmt 50">
-            <a:extLst>
-              <a:ext uri="{FF2B5EF4-FFF2-40B4-BE49-F238E27FC236}">
-                <a16:creationId xmlns:a16="http://schemas.microsoft.com/office/drawing/2014/main" id="{D9BF7D43-6C93-4822-9BCD-2AEA4A30BD57}"/>
-              </a:ext>
-            </a:extLst>
-          </p:cNvPr>
-          <p:cNvCxnSpPr>
-            <a:cxnSpLocks/>
-            <a:stCxn id="23" idx="1"/>
-            <a:endCxn id="22" idx="0"/>
-          </p:cNvCxnSpPr>
-          <p:nvPr/>
-        </p:nvCxnSpPr>
-        <p:spPr>
-          <a:xfrm rot="10800000" flipV="1">
-            <a:off x="2266012" y="3147125"/>
-            <a:ext cx="1653591" cy="688730"/>
-          </a:xfrm>
-          <a:prstGeom prst="curvedConnector2">
-            <a:avLst/>
-          </a:prstGeom>
-          <a:ln w="76200">
-            <a:solidFill>
-              <a:srgbClr val="2B5880"/>
-            </a:solidFill>
-            <a:tailEnd type="triangle"/>
-          </a:ln>
-        </p:spPr>
-        <p:style>
-          <a:lnRef idx="1">
-            <a:schemeClr val="accent1"/>
-          </a:lnRef>
-          <a:fillRef idx="0">
-            <a:schemeClr val="accent1"/>
-          </a:fillRef>
-          <a:effectRef idx="0">
-            <a:schemeClr val="accent1"/>
-          </a:effectRef>
-          <a:fontRef idx="minor">
-            <a:schemeClr val="tx1"/>
-          </a:fontRef>
-        </p:style>
-      </p:cxnSp>
-      <p:sp>
-        <p:nvSpPr>
-          <p:cNvPr id="54" name="Textfeld 53">
-            <a:extLst>
-              <a:ext uri="{FF2B5EF4-FFF2-40B4-BE49-F238E27FC236}">
-                <a16:creationId xmlns:a16="http://schemas.microsoft.com/office/drawing/2014/main" id="{79449A00-80C5-4FB8-8290-8DC0DFEA8197}"/>
-              </a:ext>
-            </a:extLst>
-          </p:cNvPr>
-          <p:cNvSpPr txBox="1"/>
-          <p:nvPr/>
-        </p:nvSpPr>
-        <p:spPr>
-          <a:xfrm>
-            <a:off x="0" y="12713"/>
-            <a:ext cx="3646474" cy="461665"/>
-          </a:xfrm>
-          <a:prstGeom prst="rect">
-            <a:avLst/>
-          </a:prstGeom>
-          <a:noFill/>
-        </p:spPr>
-        <p:txBody>
-          <a:bodyPr wrap="square" rtlCol="0">
-            <a:spAutoFit/>
-          </a:bodyPr>
-          <a:lstStyle/>
-          <a:p>
-            <a:r>
-              <a:rPr lang="de-DE" sz="2400" b="1" dirty="0">
-                <a:solidFill>
-                  <a:srgbClr val="2B5880"/>
-                </a:solidFill>
-              </a:rPr>
-              <a:t>Projektidee</a:t>
-            </a:r>
-            <a:endParaRPr lang="de-DE" dirty="0"/>
-          </a:p>
-        </p:txBody>
-      </p:sp>
-    </p:spTree>
-    <p:extLst>
-      <p:ext uri="{BB962C8B-B14F-4D97-AF65-F5344CB8AC3E}">
-        <p14:creationId xmlns:p14="http://schemas.microsoft.com/office/powerpoint/2010/main" val="1105959745"/>
-      </p:ext>
-    </p:extLst>
-  </p:cSld>
-  <p:clrMapOvr>
-    <a:masterClrMapping/>
-  </p:clrMapOvr>
-  <p:transition spd="slow">
-    <p:push dir="u"/>
-  </p:transition>
-</p:sld>
-</file>
-
-<file path=ppt/slides/slide4.xml><?xml version="1.0" encoding="utf-8"?>
-<p:sld xmlns:a="http://schemas.openxmlformats.org/drawingml/2006/main" xmlns:r="http://schemas.openxmlformats.org/officeDocument/2006/relationships" xmlns:p="http://schemas.openxmlformats.org/presentationml/2006/main">
-  <p:cSld>
-    <p:spTree>
-      <p:nvGrpSpPr>
-        <p:cNvPr id="1" name=""/>
-        <p:cNvGrpSpPr/>
-        <p:nvPr/>
-      </p:nvGrpSpPr>
-      <p:grpSpPr>
-        <a:xfrm>
-          <a:off x="0" y="0"/>
-          <a:ext cx="0" cy="0"/>
-          <a:chOff x="0" y="0"/>
-          <a:chExt cx="0" cy="0"/>
-        </a:xfrm>
-      </p:grpSpPr>
-      <p:grpSp>
-        <p:nvGrpSpPr>
-          <p:cNvPr id="38" name="Gruppieren 37">
-            <a:extLst>
-              <a:ext uri="{FF2B5EF4-FFF2-40B4-BE49-F238E27FC236}">
-                <a16:creationId xmlns:a16="http://schemas.microsoft.com/office/drawing/2014/main" id="{4454471F-F266-4936-B387-474FF39CB158}"/>
-              </a:ext>
-            </a:extLst>
-          </p:cNvPr>
-          <p:cNvGrpSpPr/>
-          <p:nvPr/>
-        </p:nvGrpSpPr>
-        <p:grpSpPr>
-          <a:xfrm>
-            <a:off x="1248150" y="359737"/>
-            <a:ext cx="3084435" cy="1692112"/>
-            <a:chOff x="1525066" y="3071429"/>
-            <a:chExt cx="2153484" cy="1208417"/>
-          </a:xfrm>
-        </p:grpSpPr>
-        <p:pic>
-          <p:nvPicPr>
-            <p:cNvPr id="18" name="Grafik 17" descr="Gruppe">
-              <a:extLst>
-                <a:ext uri="{FF2B5EF4-FFF2-40B4-BE49-F238E27FC236}">
-                  <a16:creationId xmlns:a16="http://schemas.microsoft.com/office/drawing/2014/main" id="{6407EFA0-B16F-4BD0-9009-F3193BDE9D46}"/>
-                </a:ext>
-              </a:extLst>
-            </p:cNvPr>
-            <p:cNvPicPr>
-              <a:picLocks noChangeAspect="1"/>
-            </p:cNvPicPr>
-            <p:nvPr/>
-          </p:nvPicPr>
-          <p:blipFill>
-            <a:blip r:embed="rId2" cstate="print">
-              <a:extLst>
-                <a:ext uri="{28A0092B-C50C-407E-A947-70E740481C1C}">
-                  <a14:useLocalDpi xmlns:a14="http://schemas.microsoft.com/office/drawing/2010/main" val="0"/>
-                </a:ext>
-                <a:ext uri="{96DAC541-7B7A-43D3-8B79-37D633B846F1}">
-                  <asvg:svgBlip xmlns:asvg="http://schemas.microsoft.com/office/drawing/2016/SVG/main" r:embed="rId3"/>
-                </a:ext>
-              </a:extLst>
-            </a:blip>
-            <a:stretch>
-              <a:fillRect/>
-            </a:stretch>
-          </p:blipFill>
-          <p:spPr>
-            <a:xfrm>
-              <a:off x="2036767" y="3071429"/>
-              <a:ext cx="914400" cy="914400"/>
-            </a:xfrm>
-            <a:prstGeom prst="rect">
-              <a:avLst/>
-            </a:prstGeom>
-          </p:spPr>
-        </p:pic>
-        <p:sp>
-          <p:nvSpPr>
-            <p:cNvPr id="20" name="Textfeld 19">
-              <a:extLst>
-                <a:ext uri="{FF2B5EF4-FFF2-40B4-BE49-F238E27FC236}">
-                  <a16:creationId xmlns:a16="http://schemas.microsoft.com/office/drawing/2014/main" id="{5D790F63-F236-4CDB-A00B-81DF2D235F97}"/>
-                </a:ext>
-              </a:extLst>
-            </p:cNvPr>
-            <p:cNvSpPr txBox="1"/>
-            <p:nvPr/>
-          </p:nvSpPr>
-          <p:spPr>
-            <a:xfrm>
-              <a:off x="1525066" y="3818271"/>
-              <a:ext cx="2153484" cy="461575"/>
-            </a:xfrm>
-            <a:prstGeom prst="rect">
-              <a:avLst/>
-            </a:prstGeom>
-            <a:noFill/>
-          </p:spPr>
-          <p:txBody>
-            <a:bodyPr wrap="none" rtlCol="0">
-              <a:spAutoFit/>
-            </a:bodyPr>
-            <a:lstStyle/>
-            <a:p>
-              <a:pPr algn="ctr"/>
-              <a:r>
-                <a:rPr lang="de-DE" dirty="0"/>
-                <a:t>MA</a:t>
-              </a:r>
-            </a:p>
-            <a:p>
-              <a:pPr algn="ctr"/>
-              <a:r>
-                <a:rPr lang="de-DE" dirty="0"/>
-                <a:t>Verleih und Kundenverwaltung</a:t>
-              </a:r>
-            </a:p>
-          </p:txBody>
-        </p:sp>
-      </p:grpSp>
-      <p:grpSp>
-        <p:nvGrpSpPr>
-          <p:cNvPr id="37" name="Gruppieren 36">
-            <a:extLst>
-              <a:ext uri="{FF2B5EF4-FFF2-40B4-BE49-F238E27FC236}">
-                <a16:creationId xmlns:a16="http://schemas.microsoft.com/office/drawing/2014/main" id="{C8C4EFF8-9A0B-4E35-8FA2-437CEF6C9863}"/>
-              </a:ext>
-            </a:extLst>
-          </p:cNvPr>
-          <p:cNvGrpSpPr/>
-          <p:nvPr/>
-        </p:nvGrpSpPr>
-        <p:grpSpPr>
-          <a:xfrm>
-            <a:off x="5583264" y="4253114"/>
-            <a:ext cx="1882586" cy="1721137"/>
-            <a:chOff x="6968691" y="2801443"/>
-            <a:chExt cx="1314380" cy="1229145"/>
-          </a:xfrm>
-        </p:grpSpPr>
-        <p:pic>
-          <p:nvPicPr>
-            <p:cNvPr id="19" name="Grafik 18" descr="Werkzeug">
-              <a:extLst>
-                <a:ext uri="{FF2B5EF4-FFF2-40B4-BE49-F238E27FC236}">
-                  <a16:creationId xmlns:a16="http://schemas.microsoft.com/office/drawing/2014/main" id="{ECFF4237-AD17-4F29-BE9E-F9CE84D7A9DE}"/>
-                </a:ext>
-              </a:extLst>
-            </p:cNvPr>
-            <p:cNvPicPr>
-              <a:picLocks noChangeAspect="1"/>
-            </p:cNvPicPr>
-            <p:nvPr/>
-          </p:nvPicPr>
-          <p:blipFill>
-            <a:blip r:embed="rId4" cstate="print">
-              <a:extLst>
-                <a:ext uri="{28A0092B-C50C-407E-A947-70E740481C1C}">
-                  <a14:useLocalDpi xmlns:a14="http://schemas.microsoft.com/office/drawing/2010/main" val="0"/>
-                </a:ext>
-                <a:ext uri="{96DAC541-7B7A-43D3-8B79-37D633B846F1}">
-                  <asvg:svgBlip xmlns:asvg="http://schemas.microsoft.com/office/drawing/2016/SVG/main" r:embed="rId5"/>
-                </a:ext>
-              </a:extLst>
-            </a:blip>
-            <a:stretch>
-              <a:fillRect/>
-            </a:stretch>
-          </p:blipFill>
-          <p:spPr>
-            <a:xfrm>
-              <a:off x="6968691" y="3085052"/>
-              <a:ext cx="388638" cy="388638"/>
-            </a:xfrm>
-            <a:prstGeom prst="rect">
-              <a:avLst/>
-            </a:prstGeom>
-          </p:spPr>
-        </p:pic>
-        <p:pic>
-          <p:nvPicPr>
-            <p:cNvPr id="21" name="Grafik 20" descr="Gruppe">
-              <a:extLst>
-                <a:ext uri="{FF2B5EF4-FFF2-40B4-BE49-F238E27FC236}">
-                  <a16:creationId xmlns:a16="http://schemas.microsoft.com/office/drawing/2014/main" id="{C80D637B-F84E-45DA-B52F-993964CE3459}"/>
-                </a:ext>
-              </a:extLst>
-            </p:cNvPr>
-            <p:cNvPicPr>
-              <a:picLocks noChangeAspect="1"/>
-            </p:cNvPicPr>
-            <p:nvPr/>
-          </p:nvPicPr>
-          <p:blipFill>
-            <a:blip r:embed="rId2" cstate="print">
-              <a:extLst>
-                <a:ext uri="{28A0092B-C50C-407E-A947-70E740481C1C}">
-                  <a14:useLocalDpi xmlns:a14="http://schemas.microsoft.com/office/drawing/2010/main" val="0"/>
-                </a:ext>
-                <a:ext uri="{96DAC541-7B7A-43D3-8B79-37D633B846F1}">
-                  <asvg:svgBlip xmlns:asvg="http://schemas.microsoft.com/office/drawing/2016/SVG/main" r:embed="rId3"/>
-                </a:ext>
-              </a:extLst>
-            </a:blip>
-            <a:stretch>
-              <a:fillRect/>
-            </a:stretch>
-          </p:blipFill>
-          <p:spPr>
-            <a:xfrm>
-              <a:off x="7368671" y="2801443"/>
-              <a:ext cx="914400" cy="914400"/>
-            </a:xfrm>
-            <a:prstGeom prst="rect">
-              <a:avLst/>
-            </a:prstGeom>
-          </p:spPr>
-        </p:pic>
-        <p:sp>
-          <p:nvSpPr>
-            <p:cNvPr id="22" name="Textfeld 21">
-              <a:extLst>
-                <a:ext uri="{FF2B5EF4-FFF2-40B4-BE49-F238E27FC236}">
-                  <a16:creationId xmlns:a16="http://schemas.microsoft.com/office/drawing/2014/main" id="{0FAD338B-F74D-49A0-AEB4-3DA597A8D322}"/>
-                </a:ext>
-              </a:extLst>
-            </p:cNvPr>
-            <p:cNvSpPr txBox="1"/>
-            <p:nvPr/>
-          </p:nvSpPr>
-          <p:spPr>
-            <a:xfrm>
-              <a:off x="6971689" y="3569013"/>
-              <a:ext cx="1305413" cy="461575"/>
-            </a:xfrm>
-            <a:prstGeom prst="rect">
-              <a:avLst/>
-            </a:prstGeom>
-            <a:noFill/>
-          </p:spPr>
-          <p:txBody>
-            <a:bodyPr wrap="none" rtlCol="0">
-              <a:spAutoFit/>
-            </a:bodyPr>
-            <a:lstStyle/>
-            <a:p>
-              <a:pPr algn="ctr"/>
-              <a:r>
-                <a:rPr lang="de-DE" dirty="0"/>
-                <a:t>MA</a:t>
-              </a:r>
-            </a:p>
-            <a:p>
-              <a:pPr algn="ctr"/>
-              <a:r>
-                <a:rPr lang="de-DE" dirty="0"/>
-                <a:t>Lager und Logistik</a:t>
-              </a:r>
-            </a:p>
-          </p:txBody>
-        </p:sp>
-      </p:grpSp>
-      <p:grpSp>
-        <p:nvGrpSpPr>
-          <p:cNvPr id="34" name="Gruppieren 33">
-            <a:extLst>
-              <a:ext uri="{FF2B5EF4-FFF2-40B4-BE49-F238E27FC236}">
-                <a16:creationId xmlns:a16="http://schemas.microsoft.com/office/drawing/2014/main" id="{A4DAAA0D-8A3A-416B-AEB7-FDB249C72397}"/>
-              </a:ext>
-            </a:extLst>
-          </p:cNvPr>
-          <p:cNvGrpSpPr/>
-          <p:nvPr/>
-        </p:nvGrpSpPr>
-        <p:grpSpPr>
-          <a:xfrm>
-            <a:off x="7958028" y="2277270"/>
-            <a:ext cx="1793437" cy="1562947"/>
-            <a:chOff x="8584200" y="1077231"/>
-            <a:chExt cx="1252138" cy="1116174"/>
-          </a:xfrm>
-        </p:grpSpPr>
-        <p:pic>
-          <p:nvPicPr>
-            <p:cNvPr id="15" name="Grafik 14" descr="Monatskalender">
-              <a:extLst>
-                <a:ext uri="{FF2B5EF4-FFF2-40B4-BE49-F238E27FC236}">
-                  <a16:creationId xmlns:a16="http://schemas.microsoft.com/office/drawing/2014/main" id="{B66B1492-6220-4A4D-8EB0-42477298342F}"/>
-                </a:ext>
-              </a:extLst>
-            </p:cNvPr>
-            <p:cNvPicPr>
-              <a:picLocks noChangeAspect="1"/>
-            </p:cNvPicPr>
-            <p:nvPr/>
-          </p:nvPicPr>
-          <p:blipFill>
-            <a:blip r:embed="rId6" cstate="print">
-              <a:extLst>
-                <a:ext uri="{28A0092B-C50C-407E-A947-70E740481C1C}">
-                  <a14:useLocalDpi xmlns:a14="http://schemas.microsoft.com/office/drawing/2010/main" val="0"/>
-                </a:ext>
-                <a:ext uri="{96DAC541-7B7A-43D3-8B79-37D633B846F1}">
-                  <asvg:svgBlip xmlns:asvg="http://schemas.microsoft.com/office/drawing/2016/SVG/main" r:embed="rId7"/>
-                </a:ext>
-              </a:extLst>
-            </a:blip>
-            <a:stretch>
-              <a:fillRect/>
-            </a:stretch>
-          </p:blipFill>
-          <p:spPr>
-            <a:xfrm>
-              <a:off x="8753069" y="1077231"/>
-              <a:ext cx="914400" cy="914400"/>
-            </a:xfrm>
-            <a:prstGeom prst="rect">
-              <a:avLst/>
-            </a:prstGeom>
-          </p:spPr>
-        </p:pic>
-        <p:sp>
-          <p:nvSpPr>
-            <p:cNvPr id="23" name="Textfeld 22">
-              <a:extLst>
-                <a:ext uri="{FF2B5EF4-FFF2-40B4-BE49-F238E27FC236}">
-                  <a16:creationId xmlns:a16="http://schemas.microsoft.com/office/drawing/2014/main" id="{776A2183-F25F-4D78-BB5E-E14DBEFEB35C}"/>
-                </a:ext>
-              </a:extLst>
-            </p:cNvPr>
-            <p:cNvSpPr txBox="1"/>
-            <p:nvPr/>
-          </p:nvSpPr>
-          <p:spPr>
-            <a:xfrm>
-              <a:off x="8584200" y="1824073"/>
-              <a:ext cx="1252138" cy="369332"/>
-            </a:xfrm>
-            <a:prstGeom prst="rect">
-              <a:avLst/>
-            </a:prstGeom>
-            <a:noFill/>
-          </p:spPr>
-          <p:txBody>
-            <a:bodyPr wrap="none" rtlCol="0">
-              <a:spAutoFit/>
-            </a:bodyPr>
-            <a:lstStyle/>
-            <a:p>
-              <a:pPr algn="ctr"/>
-              <a:r>
-                <a:rPr lang="de-DE" dirty="0"/>
-                <a:t>Packstation</a:t>
-              </a:r>
-            </a:p>
-          </p:txBody>
-        </p:sp>
-      </p:grpSp>
-      <p:grpSp>
-        <p:nvGrpSpPr>
-          <p:cNvPr id="2" name="Gruppieren 1">
-            <a:extLst>
-              <a:ext uri="{FF2B5EF4-FFF2-40B4-BE49-F238E27FC236}">
-                <a16:creationId xmlns:a16="http://schemas.microsoft.com/office/drawing/2014/main" id="{BF48DCE5-A2AB-4AAF-9B6F-6C4D0B4CBB79}"/>
-              </a:ext>
-            </a:extLst>
-          </p:cNvPr>
-          <p:cNvGrpSpPr/>
-          <p:nvPr/>
-        </p:nvGrpSpPr>
-        <p:grpSpPr>
-          <a:xfrm>
-            <a:off x="2782942" y="2153815"/>
-            <a:ext cx="2628474" cy="1686402"/>
-            <a:chOff x="4965837" y="1900177"/>
-            <a:chExt cx="1835142" cy="1204339"/>
-          </a:xfrm>
-        </p:grpSpPr>
-        <p:grpSp>
-          <p:nvGrpSpPr>
-            <p:cNvPr id="39" name="Gruppieren 38">
-              <a:extLst>
-                <a:ext uri="{FF2B5EF4-FFF2-40B4-BE49-F238E27FC236}">
-                  <a16:creationId xmlns:a16="http://schemas.microsoft.com/office/drawing/2014/main" id="{31EA0B18-0C21-4E9E-896F-BABE66D967B4}"/>
-                </a:ext>
-              </a:extLst>
-            </p:cNvPr>
-            <p:cNvGrpSpPr/>
-            <p:nvPr/>
-          </p:nvGrpSpPr>
-          <p:grpSpPr>
-            <a:xfrm>
-              <a:off x="4965837" y="1900177"/>
-              <a:ext cx="914400" cy="1179174"/>
-              <a:chOff x="2036768" y="1347187"/>
-              <a:chExt cx="914400" cy="1179174"/>
-            </a:xfrm>
-          </p:grpSpPr>
-          <p:pic>
-            <p:nvPicPr>
-              <p:cNvPr id="3" name="Grafik 2" descr="Zuhause">
-                <a:extLst>
-                  <a:ext uri="{FF2B5EF4-FFF2-40B4-BE49-F238E27FC236}">
-                    <a16:creationId xmlns:a16="http://schemas.microsoft.com/office/drawing/2014/main" id="{B32354DE-711F-48F4-B2C8-884BB43A20FE}"/>
-                  </a:ext>
-                </a:extLst>
-              </p:cNvPr>
-              <p:cNvPicPr>
-                <a:picLocks noChangeAspect="1"/>
-              </p:cNvPicPr>
-              <p:nvPr/>
-            </p:nvPicPr>
-            <p:blipFill>
-              <a:blip r:embed="rId8" cstate="print">
-                <a:extLst>
-                  <a:ext uri="{28A0092B-C50C-407E-A947-70E740481C1C}">
-                    <a14:useLocalDpi xmlns:a14="http://schemas.microsoft.com/office/drawing/2010/main" val="0"/>
-                  </a:ext>
-                  <a:ext uri="{96DAC541-7B7A-43D3-8B79-37D633B846F1}">
-                    <asvg:svgBlip xmlns:asvg="http://schemas.microsoft.com/office/drawing/2016/SVG/main" r:embed="rId9"/>
-                  </a:ext>
-                </a:extLst>
-              </a:blip>
-              <a:stretch>
-                <a:fillRect/>
-              </a:stretch>
-            </p:blipFill>
-            <p:spPr>
-              <a:xfrm>
-                <a:off x="2036768" y="1347187"/>
-                <a:ext cx="914400" cy="914400"/>
-              </a:xfrm>
-              <a:prstGeom prst="rect">
-                <a:avLst/>
-              </a:prstGeom>
-            </p:spPr>
-          </p:pic>
-          <p:sp>
-            <p:nvSpPr>
-              <p:cNvPr id="16" name="Textfeld 15">
-                <a:extLst>
-                  <a:ext uri="{FF2B5EF4-FFF2-40B4-BE49-F238E27FC236}">
-                    <a16:creationId xmlns:a16="http://schemas.microsoft.com/office/drawing/2014/main" id="{EB4CC7BB-76D8-4313-BDD2-57E5A464B603}"/>
-                  </a:ext>
-                </a:extLst>
-              </p:cNvPr>
-              <p:cNvSpPr txBox="1"/>
-              <p:nvPr/>
-            </p:nvSpPr>
-            <p:spPr>
-              <a:xfrm>
-                <a:off x="2129925" y="2157029"/>
-                <a:ext cx="728084" cy="369332"/>
-              </a:xfrm>
-              <a:prstGeom prst="rect">
-                <a:avLst/>
-              </a:prstGeom>
-              <a:noFill/>
-            </p:spPr>
-            <p:txBody>
-              <a:bodyPr wrap="none" rtlCol="0">
-                <a:spAutoFit/>
-              </a:bodyPr>
-              <a:lstStyle/>
-              <a:p>
-                <a:pPr algn="ctr"/>
-                <a:r>
-                  <a:rPr lang="de-DE" dirty="0"/>
-                  <a:t>Filiale</a:t>
-                </a:r>
-              </a:p>
-            </p:txBody>
-          </p:sp>
-        </p:grpSp>
-        <p:grpSp>
-          <p:nvGrpSpPr>
-            <p:cNvPr id="33" name="Gruppieren 32">
-              <a:extLst>
-                <a:ext uri="{FF2B5EF4-FFF2-40B4-BE49-F238E27FC236}">
-                  <a16:creationId xmlns:a16="http://schemas.microsoft.com/office/drawing/2014/main" id="{A2C516C3-E04C-4334-B703-6D2A756A91D9}"/>
-                </a:ext>
-              </a:extLst>
-            </p:cNvPr>
-            <p:cNvGrpSpPr/>
-            <p:nvPr/>
-          </p:nvGrpSpPr>
-          <p:grpSpPr>
-            <a:xfrm>
-              <a:off x="5886579" y="1972274"/>
-              <a:ext cx="914400" cy="1132242"/>
-              <a:chOff x="5583847" y="990571"/>
-              <a:chExt cx="914400" cy="1132242"/>
-            </a:xfrm>
-          </p:grpSpPr>
-          <p:pic>
-            <p:nvPicPr>
-              <p:cNvPr id="25" name="Grafik 24" descr="Fabrik">
-                <a:extLst>
-                  <a:ext uri="{FF2B5EF4-FFF2-40B4-BE49-F238E27FC236}">
-                    <a16:creationId xmlns:a16="http://schemas.microsoft.com/office/drawing/2014/main" id="{532826A6-B475-4FC9-89AB-BBA91AF5DFF1}"/>
-                  </a:ext>
-                </a:extLst>
-              </p:cNvPr>
-              <p:cNvPicPr>
-                <a:picLocks noChangeAspect="1"/>
-              </p:cNvPicPr>
-              <p:nvPr/>
-            </p:nvPicPr>
-            <p:blipFill>
-              <a:blip r:embed="rId10" cstate="print">
-                <a:extLst>
-                  <a:ext uri="{28A0092B-C50C-407E-A947-70E740481C1C}">
-                    <a14:useLocalDpi xmlns:a14="http://schemas.microsoft.com/office/drawing/2010/main" val="0"/>
-                  </a:ext>
-                  <a:ext uri="{96DAC541-7B7A-43D3-8B79-37D633B846F1}">
-                    <asvg:svgBlip xmlns:asvg="http://schemas.microsoft.com/office/drawing/2016/SVG/main" r:embed="rId11"/>
-                  </a:ext>
-                </a:extLst>
-              </a:blip>
-              <a:stretch>
-                <a:fillRect/>
-              </a:stretch>
-            </p:blipFill>
-            <p:spPr>
-              <a:xfrm>
-                <a:off x="5583847" y="990571"/>
-                <a:ext cx="914400" cy="914400"/>
-              </a:xfrm>
-              <a:prstGeom prst="rect">
-                <a:avLst/>
-              </a:prstGeom>
-            </p:spPr>
-          </p:pic>
-          <p:sp>
-            <p:nvSpPr>
-              <p:cNvPr id="26" name="Textfeld 25">
-                <a:extLst>
-                  <a:ext uri="{FF2B5EF4-FFF2-40B4-BE49-F238E27FC236}">
-                    <a16:creationId xmlns:a16="http://schemas.microsoft.com/office/drawing/2014/main" id="{88AC85E2-1D59-4377-BC1D-5DF4EC24B118}"/>
-                  </a:ext>
-                </a:extLst>
-              </p:cNvPr>
-              <p:cNvSpPr txBox="1"/>
-              <p:nvPr/>
-            </p:nvSpPr>
-            <p:spPr>
-              <a:xfrm>
-                <a:off x="5675809" y="1753481"/>
-                <a:ext cx="695704" cy="369332"/>
-              </a:xfrm>
-              <a:prstGeom prst="rect">
-                <a:avLst/>
-              </a:prstGeom>
-              <a:noFill/>
-            </p:spPr>
-            <p:txBody>
-              <a:bodyPr wrap="none" rtlCol="0">
-                <a:spAutoFit/>
-              </a:bodyPr>
-              <a:lstStyle/>
-              <a:p>
-                <a:pPr algn="ctr"/>
-                <a:r>
-                  <a:rPr lang="de-DE" dirty="0"/>
-                  <a:t>Lager</a:t>
-                </a:r>
-              </a:p>
-            </p:txBody>
-          </p:sp>
-        </p:grpSp>
-      </p:grpSp>
-      <p:grpSp>
-        <p:nvGrpSpPr>
-          <p:cNvPr id="36" name="Gruppieren 35">
-            <a:extLst>
-              <a:ext uri="{FF2B5EF4-FFF2-40B4-BE49-F238E27FC236}">
-                <a16:creationId xmlns:a16="http://schemas.microsoft.com/office/drawing/2014/main" id="{1AA454B4-818E-4425-A7B9-E05A2D8BC245}"/>
-              </a:ext>
-            </a:extLst>
-          </p:cNvPr>
-          <p:cNvGrpSpPr/>
-          <p:nvPr/>
-        </p:nvGrpSpPr>
-        <p:grpSpPr>
-          <a:xfrm>
-            <a:off x="5869710" y="243545"/>
-            <a:ext cx="1309695" cy="1498093"/>
-            <a:chOff x="4545357" y="407460"/>
-            <a:chExt cx="914400" cy="1069859"/>
-          </a:xfrm>
-        </p:grpSpPr>
-        <p:pic>
-          <p:nvPicPr>
-            <p:cNvPr id="32" name="Grafik 31" descr="Gruppe">
-              <a:extLst>
-                <a:ext uri="{FF2B5EF4-FFF2-40B4-BE49-F238E27FC236}">
-                  <a16:creationId xmlns:a16="http://schemas.microsoft.com/office/drawing/2014/main" id="{38070180-18A7-4179-945F-5E1B1BCDAED8}"/>
-                </a:ext>
-              </a:extLst>
-            </p:cNvPr>
-            <p:cNvPicPr>
-              <a:picLocks noChangeAspect="1"/>
-            </p:cNvPicPr>
-            <p:nvPr/>
-          </p:nvPicPr>
-          <p:blipFill>
-            <a:blip r:embed="rId2" cstate="print">
-              <a:extLst>
-                <a:ext uri="{28A0092B-C50C-407E-A947-70E740481C1C}">
-                  <a14:useLocalDpi xmlns:a14="http://schemas.microsoft.com/office/drawing/2010/main" val="0"/>
-                </a:ext>
-                <a:ext uri="{96DAC541-7B7A-43D3-8B79-37D633B846F1}">
-                  <asvg:svgBlip xmlns:asvg="http://schemas.microsoft.com/office/drawing/2016/SVG/main" r:embed="rId3"/>
-                </a:ext>
-              </a:extLst>
-            </a:blip>
-            <a:stretch>
-              <a:fillRect/>
-            </a:stretch>
-          </p:blipFill>
-          <p:spPr>
-            <a:xfrm>
-              <a:off x="4545357" y="407460"/>
-              <a:ext cx="914400" cy="914400"/>
-            </a:xfrm>
-            <a:prstGeom prst="rect">
-              <a:avLst/>
-            </a:prstGeom>
-          </p:spPr>
-        </p:pic>
-        <p:sp>
-          <p:nvSpPr>
-            <p:cNvPr id="35" name="Textfeld 34">
-              <a:extLst>
-                <a:ext uri="{FF2B5EF4-FFF2-40B4-BE49-F238E27FC236}">
-                  <a16:creationId xmlns:a16="http://schemas.microsoft.com/office/drawing/2014/main" id="{DDE4AACF-59F9-49BF-9F65-C9D647B961BF}"/>
-                </a:ext>
-              </a:extLst>
-            </p:cNvPr>
-            <p:cNvSpPr txBox="1"/>
-            <p:nvPr/>
-          </p:nvSpPr>
-          <p:spPr>
-            <a:xfrm>
-              <a:off x="4550542" y="1107987"/>
-              <a:ext cx="904030" cy="369332"/>
-            </a:xfrm>
-            <a:prstGeom prst="rect">
-              <a:avLst/>
-            </a:prstGeom>
-            <a:noFill/>
-          </p:spPr>
-          <p:txBody>
-            <a:bodyPr wrap="none" rtlCol="0">
-              <a:spAutoFit/>
-            </a:bodyPr>
-            <a:lstStyle/>
-            <a:p>
-              <a:pPr algn="ctr"/>
-              <a:r>
-                <a:rPr lang="de-DE" dirty="0"/>
-                <a:t>Kunden</a:t>
-              </a:r>
-            </a:p>
-          </p:txBody>
-        </p:sp>
-      </p:grpSp>
-      <p:cxnSp>
-        <p:nvCxnSpPr>
-          <p:cNvPr id="41" name="Gerade Verbindung mit Pfeil 40">
-            <a:extLst>
-              <a:ext uri="{FF2B5EF4-FFF2-40B4-BE49-F238E27FC236}">
-                <a16:creationId xmlns:a16="http://schemas.microsoft.com/office/drawing/2014/main" id="{D8C08B9F-0433-4CCC-99DC-8CF267CCA5A8}"/>
-              </a:ext>
-            </a:extLst>
-          </p:cNvPr>
-          <p:cNvCxnSpPr>
-            <a:cxnSpLocks/>
-            <a:stCxn id="21" idx="0"/>
-          </p:cNvCxnSpPr>
-          <p:nvPr/>
-        </p:nvCxnSpPr>
-        <p:spPr>
-          <a:xfrm flipV="1">
-            <a:off x="6811007" y="3675815"/>
-            <a:ext cx="1627588" cy="577300"/>
-          </a:xfrm>
-          <a:prstGeom prst="straightConnector1">
-            <a:avLst/>
-          </a:prstGeom>
-          <a:ln>
-            <a:tailEnd type="triangle"/>
-          </a:ln>
-        </p:spPr>
-        <p:style>
-          <a:lnRef idx="2">
-            <a:schemeClr val="dk1"/>
-          </a:lnRef>
-          <a:fillRef idx="0">
-            <a:schemeClr val="dk1"/>
-          </a:fillRef>
-          <a:effectRef idx="1">
-            <a:schemeClr val="dk1"/>
-          </a:effectRef>
-          <a:fontRef idx="minor">
-            <a:schemeClr val="tx1"/>
-          </a:fontRef>
-        </p:style>
-      </p:cxnSp>
-      <p:cxnSp>
-        <p:nvCxnSpPr>
-          <p:cNvPr id="45" name="Gerade Verbindung mit Pfeil 44">
-            <a:extLst>
-              <a:ext uri="{FF2B5EF4-FFF2-40B4-BE49-F238E27FC236}">
-                <a16:creationId xmlns:a16="http://schemas.microsoft.com/office/drawing/2014/main" id="{00CC9AE7-5667-4B94-8F84-3C089DEDA0A1}"/>
-              </a:ext>
-            </a:extLst>
-          </p:cNvPr>
-          <p:cNvCxnSpPr>
-            <a:cxnSpLocks/>
-            <a:stCxn id="21" idx="0"/>
-          </p:cNvCxnSpPr>
-          <p:nvPr/>
-        </p:nvCxnSpPr>
-        <p:spPr>
-          <a:xfrm flipH="1" flipV="1">
-            <a:off x="4978659" y="3570780"/>
-            <a:ext cx="1832348" cy="682335"/>
-          </a:xfrm>
-          <a:prstGeom prst="straightConnector1">
-            <a:avLst/>
-          </a:prstGeom>
-          <a:ln>
-            <a:tailEnd type="triangle"/>
-          </a:ln>
-        </p:spPr>
-        <p:style>
-          <a:lnRef idx="2">
-            <a:schemeClr val="dk1"/>
-          </a:lnRef>
-          <a:fillRef idx="0">
-            <a:schemeClr val="dk1"/>
-          </a:fillRef>
-          <a:effectRef idx="1">
-            <a:schemeClr val="dk1"/>
-          </a:effectRef>
-          <a:fontRef idx="minor">
-            <a:schemeClr val="tx1"/>
-          </a:fontRef>
-        </p:style>
-      </p:cxnSp>
-      <p:cxnSp>
-        <p:nvCxnSpPr>
-          <p:cNvPr id="48" name="Gerade Verbindung mit Pfeil 47">
-            <a:extLst>
-              <a:ext uri="{FF2B5EF4-FFF2-40B4-BE49-F238E27FC236}">
-                <a16:creationId xmlns:a16="http://schemas.microsoft.com/office/drawing/2014/main" id="{2778C55E-E98F-4948-A70A-FCEB77769225}"/>
-              </a:ext>
-            </a:extLst>
-          </p:cNvPr>
-          <p:cNvCxnSpPr>
-            <a:cxnSpLocks/>
-            <a:stCxn id="35" idx="2"/>
-          </p:cNvCxnSpPr>
-          <p:nvPr/>
-        </p:nvCxnSpPr>
-        <p:spPr>
-          <a:xfrm>
-            <a:off x="6524557" y="1741638"/>
-            <a:ext cx="1940878" cy="513132"/>
-          </a:xfrm>
-          <a:prstGeom prst="straightConnector1">
-            <a:avLst/>
-          </a:prstGeom>
-          <a:ln>
-            <a:tailEnd type="triangle"/>
-          </a:ln>
-        </p:spPr>
-        <p:style>
-          <a:lnRef idx="2">
-            <a:schemeClr val="dk1"/>
-          </a:lnRef>
-          <a:fillRef idx="0">
-            <a:schemeClr val="dk1"/>
-          </a:fillRef>
-          <a:effectRef idx="1">
-            <a:schemeClr val="dk1"/>
-          </a:effectRef>
-          <a:fontRef idx="minor">
-            <a:schemeClr val="tx1"/>
-          </a:fontRef>
-        </p:style>
-      </p:cxnSp>
-      <p:cxnSp>
-        <p:nvCxnSpPr>
-          <p:cNvPr id="51" name="Gerade Verbindung mit Pfeil 50">
-            <a:extLst>
-              <a:ext uri="{FF2B5EF4-FFF2-40B4-BE49-F238E27FC236}">
-                <a16:creationId xmlns:a16="http://schemas.microsoft.com/office/drawing/2014/main" id="{474AF189-548D-4EF4-A054-E250F4DBC7E3}"/>
-              </a:ext>
-            </a:extLst>
-          </p:cNvPr>
-          <p:cNvCxnSpPr>
-            <a:cxnSpLocks/>
-            <a:stCxn id="35" idx="2"/>
-            <a:endCxn id="25" idx="0"/>
-          </p:cNvCxnSpPr>
-          <p:nvPr/>
-        </p:nvCxnSpPr>
-        <p:spPr>
-          <a:xfrm flipH="1">
-            <a:off x="4756569" y="1741638"/>
-            <a:ext cx="1767988" cy="513132"/>
-          </a:xfrm>
-          <a:prstGeom prst="straightConnector1">
-            <a:avLst/>
-          </a:prstGeom>
-          <a:ln>
-            <a:tailEnd type="triangle"/>
-          </a:ln>
-        </p:spPr>
-        <p:style>
-          <a:lnRef idx="2">
-            <a:schemeClr val="dk1"/>
-          </a:lnRef>
-          <a:fillRef idx="0">
-            <a:schemeClr val="dk1"/>
-          </a:fillRef>
-          <a:effectRef idx="1">
-            <a:schemeClr val="dk1"/>
-          </a:effectRef>
-          <a:fontRef idx="minor">
-            <a:schemeClr val="tx1"/>
-          </a:fontRef>
-        </p:style>
-      </p:cxnSp>
-      <p:cxnSp>
-        <p:nvCxnSpPr>
-          <p:cNvPr id="54" name="Gerade Verbindung mit Pfeil 53">
-            <a:extLst>
-              <a:ext uri="{FF2B5EF4-FFF2-40B4-BE49-F238E27FC236}">
-                <a16:creationId xmlns:a16="http://schemas.microsoft.com/office/drawing/2014/main" id="{01E095EF-B400-45B7-88AD-E905454211F3}"/>
-              </a:ext>
-            </a:extLst>
-          </p:cNvPr>
-          <p:cNvCxnSpPr>
-            <a:cxnSpLocks/>
-            <a:stCxn id="32" idx="1"/>
-          </p:cNvCxnSpPr>
-          <p:nvPr/>
-        </p:nvCxnSpPr>
-        <p:spPr>
-          <a:xfrm flipH="1">
-            <a:off x="3646474" y="883749"/>
-            <a:ext cx="2223236" cy="150123"/>
-          </a:xfrm>
-          <a:prstGeom prst="straightConnector1">
-            <a:avLst/>
-          </a:prstGeom>
-          <a:ln>
-            <a:tailEnd type="triangle"/>
-          </a:ln>
-        </p:spPr>
-        <p:style>
-          <a:lnRef idx="2">
-            <a:schemeClr val="dk1"/>
-          </a:lnRef>
-          <a:fillRef idx="0">
-            <a:schemeClr val="dk1"/>
-          </a:fillRef>
-          <a:effectRef idx="1">
-            <a:schemeClr val="dk1"/>
-          </a:effectRef>
-          <a:fontRef idx="minor">
-            <a:schemeClr val="tx1"/>
-          </a:fontRef>
-        </p:style>
-      </p:cxnSp>
-      <p:sp>
-        <p:nvSpPr>
-          <p:cNvPr id="57" name="Textfeld 56">
-            <a:extLst>
-              <a:ext uri="{FF2B5EF4-FFF2-40B4-BE49-F238E27FC236}">
-                <a16:creationId xmlns:a16="http://schemas.microsoft.com/office/drawing/2014/main" id="{681B4874-845C-483C-BCA5-6BE8D62FC74E}"/>
-              </a:ext>
-            </a:extLst>
-          </p:cNvPr>
-          <p:cNvSpPr txBox="1"/>
-          <p:nvPr/>
-        </p:nvSpPr>
-        <p:spPr>
-          <a:xfrm>
-            <a:off x="0" y="12713"/>
-            <a:ext cx="3646474" cy="461665"/>
-          </a:xfrm>
-          <a:prstGeom prst="rect">
-            <a:avLst/>
-          </a:prstGeom>
-          <a:noFill/>
-        </p:spPr>
-        <p:txBody>
-          <a:bodyPr wrap="square" rtlCol="0">
-            <a:spAutoFit/>
-          </a:bodyPr>
-          <a:lstStyle/>
-          <a:p>
-            <a:r>
-              <a:rPr lang="de-DE" sz="2400" b="1" dirty="0">
-                <a:solidFill>
-                  <a:srgbClr val="2B5880"/>
-                </a:solidFill>
-              </a:rPr>
-              <a:t>Kontextbeschreibung</a:t>
-            </a:r>
-            <a:endParaRPr lang="de-DE" dirty="0"/>
-          </a:p>
-        </p:txBody>
-      </p:sp>
-      <p:sp>
-        <p:nvSpPr>
-          <p:cNvPr id="49" name="Textfeld 48">
-            <a:extLst>
-              <a:ext uri="{FF2B5EF4-FFF2-40B4-BE49-F238E27FC236}">
-                <a16:creationId xmlns:a16="http://schemas.microsoft.com/office/drawing/2014/main" id="{FCC1CDB3-484E-48F4-9BED-BDD44BB4207C}"/>
-              </a:ext>
-            </a:extLst>
-          </p:cNvPr>
-          <p:cNvSpPr txBox="1"/>
-          <p:nvPr/>
-        </p:nvSpPr>
-        <p:spPr>
-          <a:xfrm>
-            <a:off x="9803397" y="6537927"/>
-            <a:ext cx="2388603" cy="307777"/>
-          </a:xfrm>
-          <a:prstGeom prst="rect">
-            <a:avLst/>
-          </a:prstGeom>
-          <a:noFill/>
-        </p:spPr>
-        <p:txBody>
-          <a:bodyPr wrap="none" rtlCol="0">
-            <a:spAutoFit/>
-          </a:bodyPr>
-          <a:lstStyle/>
-          <a:p>
-            <a:r>
-              <a:rPr lang="de-DE" sz="1400" dirty="0">
-                <a:solidFill>
-                  <a:schemeClr val="bg1">
-                    <a:lumMod val="75000"/>
-                  </a:schemeClr>
-                </a:solidFill>
-              </a:rPr>
-              <a:t>Kontextbeschreibung [1,5min]</a:t>
-            </a:r>
-          </a:p>
-        </p:txBody>
-      </p:sp>
-    </p:spTree>
-    <p:extLst>
-      <p:ext uri="{BB962C8B-B14F-4D97-AF65-F5344CB8AC3E}">
-        <p14:creationId xmlns:p14="http://schemas.microsoft.com/office/powerpoint/2010/main" val="3204482442"/>
-      </p:ext>
-    </p:extLst>
-  </p:cSld>
-  <p:clrMapOvr>
-    <a:masterClrMapping/>
-  </p:clrMapOvr>
-  <p:transition spd="slow">
-    <p:push dir="u"/>
-  </p:transition>
-</p:sld>
-</file>
-
-<file path=ppt/slides/slide5.xml><?xml version="1.0" encoding="utf-8"?>
-<p:sld xmlns:a="http://schemas.openxmlformats.org/drawingml/2006/main" xmlns:r="http://schemas.openxmlformats.org/officeDocument/2006/relationships" xmlns:p="http://schemas.openxmlformats.org/presentationml/2006/main">
-  <p:cSld>
-    <p:spTree>
-      <p:nvGrpSpPr>
-        <p:cNvPr id="1" name=""/>
-        <p:cNvGrpSpPr/>
-        <p:nvPr/>
-      </p:nvGrpSpPr>
-      <p:grpSpPr>
-        <a:xfrm>
-          <a:off x="0" y="0"/>
-          <a:ext cx="0" cy="0"/>
-          <a:chOff x="0" y="0"/>
-          <a:chExt cx="0" cy="0"/>
-        </a:xfrm>
-      </p:grpSpPr>
-      <p:sp>
-        <p:nvSpPr>
-          <p:cNvPr id="15" name="Textfeld 14">
-            <a:extLst>
-              <a:ext uri="{FF2B5EF4-FFF2-40B4-BE49-F238E27FC236}">
-                <a16:creationId xmlns:a16="http://schemas.microsoft.com/office/drawing/2014/main" id="{609958D9-CA5C-4D4D-A095-319F853C278D}"/>
-              </a:ext>
-            </a:extLst>
-          </p:cNvPr>
-          <p:cNvSpPr txBox="1"/>
-          <p:nvPr/>
-        </p:nvSpPr>
-        <p:spPr>
-          <a:xfrm>
-            <a:off x="-1" y="12713"/>
-            <a:ext cx="6216073" cy="461665"/>
-          </a:xfrm>
-          <a:prstGeom prst="rect">
-            <a:avLst/>
-          </a:prstGeom>
-          <a:noFill/>
-        </p:spPr>
-        <p:txBody>
-          <a:bodyPr wrap="square" rtlCol="0">
-            <a:spAutoFit/>
-          </a:bodyPr>
-          <a:lstStyle/>
-          <a:p>
-            <a:r>
-              <a:rPr lang="de-DE" sz="2400" b="1" dirty="0">
-                <a:solidFill>
-                  <a:srgbClr val="2B5880"/>
-                </a:solidFill>
-              </a:rPr>
-              <a:t>Komponenten und deren Kopplung/Interaktion</a:t>
-            </a:r>
-            <a:endParaRPr lang="de-DE" dirty="0"/>
-          </a:p>
-        </p:txBody>
-      </p:sp>
-      <p:pic>
-        <p:nvPicPr>
-          <p:cNvPr id="4" name="Grafik 3"/>
-          <p:cNvPicPr>
-            <a:picLocks noChangeAspect="1"/>
-          </p:cNvPicPr>
-          <p:nvPr/>
-        </p:nvPicPr>
-        <p:blipFill>
-          <a:blip r:embed="rId2"/>
-          <a:stretch>
-            <a:fillRect/>
-          </a:stretch>
-        </p:blipFill>
-        <p:spPr>
-          <a:xfrm>
-            <a:off x="1038962" y="243545"/>
-            <a:ext cx="10935324" cy="5408318"/>
+            <a:off x="5030735" y="771614"/>
+            <a:ext cx="2294501" cy="4659480"/>
           </a:xfrm>
           <a:prstGeom prst="rect">
             <a:avLst/>
           </a:prstGeom>
         </p:spPr>
       </p:pic>
-      <p:sp>
-        <p:nvSpPr>
-          <p:cNvPr id="6" name="Textfeld 5">
+      <p:pic>
+        <p:nvPicPr>
+          <p:cNvPr id="8" name="Grafik 7" descr="Ein Bild, das Screenshot enthält.&#10;&#10;Automatisch generierte Beschreibung">
             <a:extLst>
               <a:ext uri="{FF2B5EF4-FFF2-40B4-BE49-F238E27FC236}">
-                <a16:creationId xmlns:a16="http://schemas.microsoft.com/office/drawing/2014/main" id="{FB77D8ED-F264-4E23-90C6-05106FCD8A17}"/>
-              </a:ext>
-            </a:extLst>
-          </p:cNvPr>
-          <p:cNvSpPr txBox="1"/>
-          <p:nvPr/>
-        </p:nvSpPr>
-        <p:spPr>
-          <a:xfrm>
-            <a:off x="1817672" y="944865"/>
-            <a:ext cx="3728713" cy="954107"/>
-          </a:xfrm>
-          <a:prstGeom prst="rect">
-            <a:avLst/>
-          </a:prstGeom>
-          <a:noFill/>
-        </p:spPr>
-        <p:txBody>
-          <a:bodyPr wrap="none" rtlCol="0">
-            <a:spAutoFit/>
-          </a:bodyPr>
-          <a:lstStyle/>
-          <a:p>
-            <a:pPr algn="ctr"/>
-            <a:r>
-              <a:rPr lang="de-DE" sz="2800" dirty="0"/>
-              <a:t>Komponentendiagramm</a:t>
-            </a:r>
-          </a:p>
-          <a:p>
-            <a:pPr algn="ctr"/>
-            <a:r>
-              <a:rPr lang="de-DE" sz="2800" dirty="0"/>
-              <a:t>- RAT-VVS -</a:t>
-            </a:r>
-          </a:p>
-        </p:txBody>
-      </p:sp>
-    </p:spTree>
-    <p:extLst>
-      <p:ext uri="{BB962C8B-B14F-4D97-AF65-F5344CB8AC3E}">
-        <p14:creationId xmlns:p14="http://schemas.microsoft.com/office/powerpoint/2010/main" val="4009236776"/>
-      </p:ext>
-    </p:extLst>
-  </p:cSld>
-  <p:clrMapOvr>
-    <a:masterClrMapping/>
-  </p:clrMapOvr>
-  <p:transition spd="slow">
-    <p:push dir="u"/>
-  </p:transition>
-</p:sld>
-</file>
-
-<file path=ppt/slides/slide6.xml><?xml version="1.0" encoding="utf-8"?>
-<p:sld xmlns:a="http://schemas.openxmlformats.org/drawingml/2006/main" xmlns:r="http://schemas.openxmlformats.org/officeDocument/2006/relationships" xmlns:p="http://schemas.openxmlformats.org/presentationml/2006/main">
-  <p:cSld>
-    <p:spTree>
-      <p:nvGrpSpPr>
-        <p:cNvPr id="1" name=""/>
-        <p:cNvGrpSpPr/>
-        <p:nvPr/>
-      </p:nvGrpSpPr>
-      <p:grpSpPr>
-        <a:xfrm>
-          <a:off x="0" y="0"/>
-          <a:ext cx="0" cy="0"/>
-          <a:chOff x="0" y="0"/>
-          <a:chExt cx="0" cy="0"/>
-        </a:xfrm>
-      </p:grpSpPr>
-      <p:pic>
-        <p:nvPicPr>
-          <p:cNvPr id="2" name="Grafik 1">
-            <a:extLst>
-              <a:ext uri="{FF2B5EF4-FFF2-40B4-BE49-F238E27FC236}">
-                <a16:creationId xmlns:a16="http://schemas.microsoft.com/office/drawing/2014/main" id="{28F3E3A5-EBFF-457A-9453-B2AB817FDBF0}"/>
+                <a16:creationId xmlns:a16="http://schemas.microsoft.com/office/drawing/2014/main" id="{55E80165-002B-47DA-82A6-648994F1F69D}"/>
               </a:ext>
             </a:extLst>
           </p:cNvPr>
@@ -5573,65 +3556,7 @@
           <p:nvPr/>
         </p:nvPicPr>
         <p:blipFill>
-          <a:blip r:embed="rId2"/>
-          <a:stretch>
-            <a:fillRect/>
-          </a:stretch>
-        </p:blipFill>
-        <p:spPr>
-          <a:xfrm>
-            <a:off x="482311" y="408988"/>
-            <a:ext cx="11227377" cy="5169166"/>
-          </a:xfrm>
-          <a:prstGeom prst="rect">
-            <a:avLst/>
-          </a:prstGeom>
-        </p:spPr>
-      </p:pic>
-    </p:spTree>
-    <p:extLst>
-      <p:ext uri="{BB962C8B-B14F-4D97-AF65-F5344CB8AC3E}">
-        <p14:creationId xmlns:p14="http://schemas.microsoft.com/office/powerpoint/2010/main" val="619414109"/>
-      </p:ext>
-    </p:extLst>
-  </p:cSld>
-  <p:clrMapOvr>
-    <a:masterClrMapping/>
-  </p:clrMapOvr>
-</p:sld>
-</file>
-
-<file path=ppt/slides/slide7.xml><?xml version="1.0" encoding="utf-8"?>
-<p:sld xmlns:a="http://schemas.openxmlformats.org/drawingml/2006/main" xmlns:r="http://schemas.openxmlformats.org/officeDocument/2006/relationships" xmlns:p="http://schemas.openxmlformats.org/presentationml/2006/main">
-  <p:cSld>
-    <p:spTree>
-      <p:nvGrpSpPr>
-        <p:cNvPr id="1" name=""/>
-        <p:cNvGrpSpPr/>
-        <p:nvPr/>
-      </p:nvGrpSpPr>
-      <p:grpSpPr>
-        <a:xfrm>
-          <a:off x="0" y="0"/>
-          <a:ext cx="0" cy="0"/>
-          <a:chOff x="0" y="0"/>
-          <a:chExt cx="0" cy="0"/>
-        </a:xfrm>
-      </p:grpSpPr>
-      <p:pic>
-        <p:nvPicPr>
-          <p:cNvPr id="14" name="Grafik 13">
-            <a:extLst>
-              <a:ext uri="{FF2B5EF4-FFF2-40B4-BE49-F238E27FC236}">
-                <a16:creationId xmlns:a16="http://schemas.microsoft.com/office/drawing/2014/main" id="{D94662DB-1E26-4054-93E1-544C7D7330B1}"/>
-              </a:ext>
-            </a:extLst>
-          </p:cNvPr>
-          <p:cNvPicPr/>
-          <p:nvPr/>
-        </p:nvPicPr>
-        <p:blipFill>
-          <a:blip r:embed="rId2" cstate="print">
+          <a:blip r:embed="rId4">
             <a:extLst>
               <a:ext uri="{28A0092B-C50C-407E-A947-70E740481C1C}">
                 <a14:useLocalDpi xmlns:a14="http://schemas.microsoft.com/office/drawing/2010/main" val="0"/>
@@ -5644,236 +3569,59 @@
         </p:blipFill>
         <p:spPr>
           <a:xfrm>
-            <a:off x="461222" y="361009"/>
-            <a:ext cx="1016635" cy="1021080"/>
+            <a:off x="8161998" y="1243816"/>
+            <a:ext cx="2675089" cy="4345155"/>
           </a:xfrm>
           <a:prstGeom prst="rect">
             <a:avLst/>
           </a:prstGeom>
         </p:spPr>
       </p:pic>
-      <p:sp>
-        <p:nvSpPr>
-          <p:cNvPr id="15" name="Textfeld 14">
+      <p:pic>
+        <p:nvPicPr>
+          <p:cNvPr id="9" name="Grafik 8" descr="Ein Bild, das Screenshot enthält.&#10;&#10;Automatisch generierte Beschreibung">
             <a:extLst>
               <a:ext uri="{FF2B5EF4-FFF2-40B4-BE49-F238E27FC236}">
-                <a16:creationId xmlns:a16="http://schemas.microsoft.com/office/drawing/2014/main" id="{17C8F8BE-C22F-4027-BFE1-81F3386E0091}"/>
+                <a16:creationId xmlns:a16="http://schemas.microsoft.com/office/drawing/2014/main" id="{EEFA848B-F315-4CF8-ACD0-0C637AD0B24D}"/>
               </a:ext>
             </a:extLst>
           </p:cNvPr>
-          <p:cNvSpPr txBox="1"/>
+          <p:cNvPicPr>
+            <a:picLocks noChangeAspect="1"/>
+          </p:cNvPicPr>
           <p:nvPr/>
-        </p:nvSpPr>
+        </p:nvPicPr>
+        <p:blipFill rotWithShape="1">
+          <a:blip r:embed="rId3">
+            <a:extLst>
+              <a:ext uri="{28A0092B-C50C-407E-A947-70E740481C1C}">
+                <a14:useLocalDpi xmlns:a14="http://schemas.microsoft.com/office/drawing/2010/main" val="0"/>
+              </a:ext>
+            </a:extLst>
+          </a:blip>
+          <a:srcRect b="33937"/>
+          <a:stretch/>
+        </p:blipFill>
         <p:spPr>
           <a:xfrm>
-            <a:off x="1612557" y="415196"/>
-            <a:ext cx="2045816" cy="1200329"/>
-          </a:xfrm>
-          <a:prstGeom prst="rect">
-            <a:avLst/>
-          </a:prstGeom>
-          <a:noFill/>
-        </p:spPr>
-        <p:txBody>
-          <a:bodyPr wrap="none" rtlCol="0">
-            <a:spAutoFit/>
-          </a:bodyPr>
-          <a:lstStyle/>
-          <a:p>
-            <a:r>
-              <a:rPr lang="en-GB" sz="2400" dirty="0">
-                <a:solidFill>
-                  <a:srgbClr val="2B5880"/>
-                </a:solidFill>
-                <a:latin typeface="MS Reference Sans Serif" panose="020B0604030504040204" pitchFamily="34" charset="0"/>
-              </a:rPr>
-              <a:t>KSP</a:t>
-            </a:r>
-          </a:p>
-          <a:p>
-            <a:r>
-              <a:rPr lang="en-GB" sz="2400" dirty="0">
-                <a:solidFill>
-                  <a:srgbClr val="2B5880"/>
-                </a:solidFill>
-                <a:latin typeface="MS Reference Sans Serif" panose="020B0604030504040204" pitchFamily="34" charset="0"/>
-              </a:rPr>
-              <a:t>IT-Solutions</a:t>
-            </a:r>
-          </a:p>
-          <a:p>
-            <a:endParaRPr lang="en-GB" sz="2400" dirty="0"/>
-          </a:p>
-        </p:txBody>
-      </p:sp>
-      <p:sp>
-        <p:nvSpPr>
-          <p:cNvPr id="16" name="Textfeld 15">
-            <a:extLst>
-              <a:ext uri="{FF2B5EF4-FFF2-40B4-BE49-F238E27FC236}">
-                <a16:creationId xmlns:a16="http://schemas.microsoft.com/office/drawing/2014/main" id="{DD3BBBE0-D1DF-4045-B83A-2B648F625D26}"/>
-              </a:ext>
-            </a:extLst>
-          </p:cNvPr>
-          <p:cNvSpPr txBox="1"/>
-          <p:nvPr/>
-        </p:nvSpPr>
-        <p:spPr>
-          <a:xfrm>
-            <a:off x="8533629" y="268684"/>
-            <a:ext cx="3014928" cy="830997"/>
-          </a:xfrm>
-          <a:prstGeom prst="rect">
-            <a:avLst/>
-          </a:prstGeom>
-          <a:noFill/>
-        </p:spPr>
-        <p:txBody>
-          <a:bodyPr wrap="none" rtlCol="0">
-            <a:spAutoFit/>
-          </a:bodyPr>
-          <a:lstStyle/>
-          <a:p>
-            <a:r>
-              <a:rPr lang="de-DE" sz="4800" b="1" dirty="0" err="1">
-                <a:ln w="0"/>
-                <a:gradFill>
-                  <a:gsLst>
-                    <a:gs pos="0">
-                      <a:schemeClr val="accent5">
-                        <a:lumMod val="50000"/>
-                      </a:schemeClr>
-                    </a:gs>
-                    <a:gs pos="50000">
-                      <a:schemeClr val="accent5"/>
-                    </a:gs>
-                    <a:gs pos="100000">
-                      <a:schemeClr val="accent5">
-                        <a:lumMod val="60000"/>
-                        <a:lumOff val="40000"/>
-                      </a:schemeClr>
-                    </a:gs>
-                  </a:gsLst>
-                  <a:lin ang="5400000"/>
-                </a:gradFill>
-                <a:effectLst>
-                  <a:outerShdw blurRad="38100" dist="38100" dir="2700000" algn="tl">
-                    <a:srgbClr val="000000">
-                      <a:alpha val="43137"/>
-                    </a:srgbClr>
-                  </a:outerShdw>
-                  <a:reflection blurRad="6350" stA="53000" endA="300" endPos="35500" dir="5400000" sy="-90000" algn="bl" rotWithShape="0"/>
-                </a:effectLst>
-              </a:rPr>
-              <a:t>Rent</a:t>
-            </a:r>
-            <a:r>
-              <a:rPr lang="de-DE" sz="4800" b="1" dirty="0">
-                <a:ln w="0"/>
-                <a:gradFill>
-                  <a:gsLst>
-                    <a:gs pos="0">
-                      <a:schemeClr val="accent5">
-                        <a:lumMod val="50000"/>
-                      </a:schemeClr>
-                    </a:gs>
-                    <a:gs pos="50000">
-                      <a:schemeClr val="accent5"/>
-                    </a:gs>
-                    <a:gs pos="100000">
-                      <a:schemeClr val="accent5">
-                        <a:lumMod val="60000"/>
-                        <a:lumOff val="40000"/>
-                      </a:schemeClr>
-                    </a:gs>
-                  </a:gsLst>
-                  <a:lin ang="5400000"/>
-                </a:gradFill>
-                <a:effectLst>
-                  <a:outerShdw blurRad="38100" dist="38100" dir="2700000" algn="tl">
-                    <a:srgbClr val="000000">
-                      <a:alpha val="43137"/>
-                    </a:srgbClr>
-                  </a:outerShdw>
-                  <a:reflection blurRad="6350" stA="53000" endA="300" endPos="35500" dir="5400000" sy="-90000" algn="bl" rotWithShape="0"/>
-                </a:effectLst>
-              </a:rPr>
-              <a:t> a Tool</a:t>
-            </a:r>
-          </a:p>
-        </p:txBody>
-      </p:sp>
-      <p:sp>
-        <p:nvSpPr>
-          <p:cNvPr id="17" name="Rechteck 16">
-            <a:extLst>
-              <a:ext uri="{FF2B5EF4-FFF2-40B4-BE49-F238E27FC236}">
-                <a16:creationId xmlns:a16="http://schemas.microsoft.com/office/drawing/2014/main" id="{62F33EB2-F07C-4E08-8A21-F5EF649238C1}"/>
-              </a:ext>
-            </a:extLst>
-          </p:cNvPr>
-          <p:cNvSpPr/>
-          <p:nvPr/>
-        </p:nvSpPr>
-        <p:spPr>
-          <a:xfrm>
-            <a:off x="1883215" y="2274838"/>
-            <a:ext cx="7995149" cy="2308324"/>
+            <a:off x="763670" y="1085259"/>
+            <a:ext cx="3388733" cy="4546168"/>
           </a:xfrm>
           <a:prstGeom prst="rect">
             <a:avLst/>
           </a:prstGeom>
         </p:spPr>
-        <p:txBody>
-          <a:bodyPr wrap="square">
-            <a:spAutoFit/>
-          </a:bodyPr>
-          <a:lstStyle/>
-          <a:p>
-            <a:pPr algn="ctr"/>
-            <a:r>
-              <a:rPr lang="de-DE" sz="3600" b="1" dirty="0">
-                <a:solidFill>
-                  <a:srgbClr val="2B5880"/>
-                </a:solidFill>
-              </a:rPr>
-              <a:t>Alle sagten: Das geht nicht!</a:t>
-            </a:r>
-          </a:p>
-          <a:p>
-            <a:pPr algn="ctr"/>
-            <a:r>
-              <a:rPr lang="de-DE" sz="3600" b="1" dirty="0">
-                <a:solidFill>
-                  <a:srgbClr val="2B5880"/>
-                </a:solidFill>
-              </a:rPr>
-              <a:t>Dann kam einer, der wusste das nicht und hat es gemacht!</a:t>
-            </a:r>
-          </a:p>
-          <a:p>
-            <a:pPr algn="ctr"/>
-            <a:endParaRPr lang="de-DE" sz="3600" b="1" dirty="0">
-              <a:solidFill>
-                <a:srgbClr val="2B5880"/>
-              </a:solidFill>
-            </a:endParaRPr>
-          </a:p>
-        </p:txBody>
-      </p:sp>
+      </p:pic>
     </p:spTree>
     <p:extLst>
       <p:ext uri="{BB962C8B-B14F-4D97-AF65-F5344CB8AC3E}">
-        <p14:creationId xmlns:p14="http://schemas.microsoft.com/office/powerpoint/2010/main" val="3872796263"/>
+        <p14:creationId xmlns:p14="http://schemas.microsoft.com/office/powerpoint/2010/main" val="257283290"/>
       </p:ext>
     </p:extLst>
   </p:cSld>
   <p:clrMapOvr>
     <a:masterClrMapping/>
   </p:clrMapOvr>
-  <p:transition spd="slow">
-    <p:push dir="u"/>
-  </p:transition>
 </p:sld>
 </file>
 

--- a/share/presentations/2019_07_19_Präsentation -Final.pptx
+++ b/share/presentations/2019_07_19_Präsentation -Final.pptx
@@ -111,6 +111,51 @@
     </p:ext>
   </p:extLst>
 </p:presentation>
+</file>
+
+<file path=ppt/changesInfos/changesInfo1.xml><?xml version="1.0" encoding="utf-8"?>
+<pc:chgInfo xmlns:a="http://schemas.openxmlformats.org/drawingml/2006/main" xmlns:r="http://schemas.openxmlformats.org/officeDocument/2006/relationships" xmlns:ac="http://schemas.microsoft.com/office/drawing/2013/main/command" xmlns:pc="http://schemas.microsoft.com/office/powerpoint/2013/main/command">
+  <pc:docChgLst>
+    <pc:chgData name="Marco Petzold" userId="0b6bd35184346b81" providerId="LiveId" clId="{B970B553-AE7A-4322-B64A-130E616654C6}"/>
+    <pc:docChg chg="modSld">
+      <pc:chgData name="Marco Petzold" userId="0b6bd35184346b81" providerId="LiveId" clId="{B970B553-AE7A-4322-B64A-130E616654C6}" dt="2020-02-02T16:51:51.113" v="3" actId="166"/>
+      <pc:docMkLst>
+        <pc:docMk/>
+      </pc:docMkLst>
+      <pc:sldChg chg="modSp">
+        <pc:chgData name="Marco Petzold" userId="0b6bd35184346b81" providerId="LiveId" clId="{B970B553-AE7A-4322-B64A-130E616654C6}" dt="2020-02-02T16:51:51.113" v="3" actId="166"/>
+        <pc:sldMkLst>
+          <pc:docMk/>
+          <pc:sldMk cId="257283290" sldId="268"/>
+        </pc:sldMkLst>
+        <pc:picChg chg="mod ord">
+          <ac:chgData name="Marco Petzold" userId="0b6bd35184346b81" providerId="LiveId" clId="{B970B553-AE7A-4322-B64A-130E616654C6}" dt="2020-02-02T16:51:51.113" v="3" actId="166"/>
+          <ac:picMkLst>
+            <pc:docMk/>
+            <pc:sldMk cId="257283290" sldId="268"/>
+            <ac:picMk id="4" creationId="{4B76633A-7533-44FA-BDCC-A2D5C4191521}"/>
+          </ac:picMkLst>
+        </pc:picChg>
+        <pc:picChg chg="mod">
+          <ac:chgData name="Marco Petzold" userId="0b6bd35184346b81" providerId="LiveId" clId="{B970B553-AE7A-4322-B64A-130E616654C6}" dt="2020-02-02T16:51:40.690" v="2" actId="1076"/>
+          <ac:picMkLst>
+            <pc:docMk/>
+            <pc:sldMk cId="257283290" sldId="268"/>
+            <ac:picMk id="8" creationId="{55E80165-002B-47DA-82A6-648994F1F69D}"/>
+          </ac:picMkLst>
+        </pc:picChg>
+        <pc:picChg chg="mod">
+          <ac:chgData name="Marco Petzold" userId="0b6bd35184346b81" providerId="LiveId" clId="{B970B553-AE7A-4322-B64A-130E616654C6}" dt="2020-02-02T16:43:53.137" v="0" actId="1076"/>
+          <ac:picMkLst>
+            <pc:docMk/>
+            <pc:sldMk cId="257283290" sldId="268"/>
+            <ac:picMk id="9" creationId="{EEFA848B-F315-4CF8-ACD0-0C637AD0B24D}"/>
+          </ac:picMkLst>
+        </pc:picChg>
+      </pc:sldChg>
+    </pc:docChg>
+  </pc:docChgLst>
+</pc:chgInfo>
 </file>
 
 <file path=ppt/slideLayouts/slideLayout1.xml><?xml version="1.0" encoding="utf-8"?>
@@ -3471,42 +3516,6 @@
       </p:sp>
       <p:pic>
         <p:nvPicPr>
-          <p:cNvPr id="4" name="Grafik 3">
-            <a:extLst>
-              <a:ext uri="{FF2B5EF4-FFF2-40B4-BE49-F238E27FC236}">
-                <a16:creationId xmlns:a16="http://schemas.microsoft.com/office/drawing/2014/main" id="{4B76633A-7533-44FA-BDCC-A2D5C4191521}"/>
-              </a:ext>
-            </a:extLst>
-          </p:cNvPr>
-          <p:cNvPicPr>
-            <a:picLocks noChangeAspect="1"/>
-          </p:cNvPicPr>
-          <p:nvPr/>
-        </p:nvPicPr>
-        <p:blipFill>
-          <a:blip r:embed="rId2">
-            <a:extLst>
-              <a:ext uri="{28A0092B-C50C-407E-A947-70E740481C1C}">
-                <a14:useLocalDpi xmlns:a14="http://schemas.microsoft.com/office/drawing/2010/main" val="0"/>
-              </a:ext>
-            </a:extLst>
-          </a:blip>
-          <a:stretch>
-            <a:fillRect/>
-          </a:stretch>
-        </p:blipFill>
-        <p:spPr>
-          <a:xfrm>
-            <a:off x="7895924" y="257175"/>
-            <a:ext cx="4003150" cy="3016224"/>
-          </a:xfrm>
-          <a:prstGeom prst="rect">
-            <a:avLst/>
-          </a:prstGeom>
-        </p:spPr>
-      </p:pic>
-      <p:pic>
-        <p:nvPicPr>
           <p:cNvPr id="6" name="Grafik 5" descr="Ein Bild, das Screenshot enthält.&#10;&#10;Automatisch generierte Beschreibung">
             <a:extLst>
               <a:ext uri="{FF2B5EF4-FFF2-40B4-BE49-F238E27FC236}">
@@ -3520,7 +3529,7 @@
           <p:nvPr/>
         </p:nvPicPr>
         <p:blipFill>
-          <a:blip r:embed="rId3">
+          <a:blip r:embed="rId2">
             <a:extLst>
               <a:ext uri="{28A0092B-C50C-407E-A947-70E740481C1C}">
                 <a14:useLocalDpi xmlns:a14="http://schemas.microsoft.com/office/drawing/2010/main" val="0"/>
@@ -3556,7 +3565,7 @@
           <p:nvPr/>
         </p:nvPicPr>
         <p:blipFill>
-          <a:blip r:embed="rId4">
+          <a:blip r:embed="rId3">
             <a:extLst>
               <a:ext uri="{28A0092B-C50C-407E-A947-70E740481C1C}">
                 <a14:useLocalDpi xmlns:a14="http://schemas.microsoft.com/office/drawing/2010/main" val="0"/>
@@ -3569,7 +3578,7 @@
         </p:blipFill>
         <p:spPr>
           <a:xfrm>
-            <a:off x="8161998" y="1243816"/>
+            <a:off x="8161999" y="1256422"/>
             <a:ext cx="2675089" cy="4345155"/>
           </a:xfrm>
           <a:prstGeom prst="rect">
@@ -3592,7 +3601,7 @@
           <p:nvPr/>
         </p:nvPicPr>
         <p:blipFill rotWithShape="1">
-          <a:blip r:embed="rId3">
+          <a:blip r:embed="rId2">
             <a:extLst>
               <a:ext uri="{28A0092B-C50C-407E-A947-70E740481C1C}">
                 <a14:useLocalDpi xmlns:a14="http://schemas.microsoft.com/office/drawing/2010/main" val="0"/>
@@ -3604,8 +3613,44 @@
         </p:blipFill>
         <p:spPr>
           <a:xfrm>
-            <a:off x="763670" y="1085259"/>
+            <a:off x="641270" y="1451019"/>
             <a:ext cx="3388733" cy="4546168"/>
+          </a:xfrm>
+          <a:prstGeom prst="rect">
+            <a:avLst/>
+          </a:prstGeom>
+        </p:spPr>
+      </p:pic>
+      <p:pic>
+        <p:nvPicPr>
+          <p:cNvPr id="4" name="Grafik 3">
+            <a:extLst>
+              <a:ext uri="{FF2B5EF4-FFF2-40B4-BE49-F238E27FC236}">
+                <a16:creationId xmlns:a16="http://schemas.microsoft.com/office/drawing/2014/main" id="{4B76633A-7533-44FA-BDCC-A2D5C4191521}"/>
+              </a:ext>
+            </a:extLst>
+          </p:cNvPr>
+          <p:cNvPicPr>
+            <a:picLocks noChangeAspect="1"/>
+          </p:cNvPicPr>
+          <p:nvPr/>
+        </p:nvPicPr>
+        <p:blipFill>
+          <a:blip r:embed="rId4">
+            <a:extLst>
+              <a:ext uri="{28A0092B-C50C-407E-A947-70E740481C1C}">
+                <a14:useLocalDpi xmlns:a14="http://schemas.microsoft.com/office/drawing/2010/main" val="0"/>
+              </a:ext>
+            </a:extLst>
+          </a:blip>
+          <a:stretch>
+            <a:fillRect/>
+          </a:stretch>
+        </p:blipFill>
+        <p:spPr>
+          <a:xfrm>
+            <a:off x="7325236" y="171450"/>
+            <a:ext cx="4003150" cy="3016224"/>
           </a:xfrm>
           <a:prstGeom prst="rect">
             <a:avLst/>

--- a/share/presentations/2019_07_19_Präsentation -Final.pptx
+++ b/share/presentations/2019_07_19_Präsentation -Final.pptx
@@ -6,7 +6,10 @@
   </p:sldMasterIdLst>
   <p:sldIdLst>
     <p:sldId id="257" r:id="rId2"/>
-    <p:sldId id="268" r:id="rId3"/>
+    <p:sldId id="269" r:id="rId3"/>
+    <p:sldId id="270" r:id="rId4"/>
+    <p:sldId id="271" r:id="rId5"/>
+    <p:sldId id="272" r:id="rId6"/>
   </p:sldIdLst>
   <p:sldSz cx="12192000" cy="6858000"/>
   <p:notesSz cx="6858000" cy="9144000"/>
@@ -3432,12 +3435,58 @@
           <a:chExt cx="0" cy="0"/>
         </a:xfrm>
       </p:grpSpPr>
+      <p:pic>
+        <p:nvPicPr>
+          <p:cNvPr id="3" name="Grafik 2">
+            <a:extLst>
+              <a:ext uri="{FF2B5EF4-FFF2-40B4-BE49-F238E27FC236}">
+                <a16:creationId xmlns:a16="http://schemas.microsoft.com/office/drawing/2014/main" id="{0B227CFD-2270-4396-9616-A8B08E9938F0}"/>
+              </a:ext>
+            </a:extLst>
+          </p:cNvPr>
+          <p:cNvPicPr>
+            <a:picLocks noChangeAspect="1"/>
+          </p:cNvPicPr>
+          <p:nvPr/>
+        </p:nvPicPr>
+        <p:blipFill>
+          <a:blip r:embed="rId2">
+            <a:clrChange>
+              <a:clrFrom>
+                <a:srgbClr val="FFFFFF"/>
+              </a:clrFrom>
+              <a:clrTo>
+                <a:srgbClr val="FFFFFF">
+                  <a:alpha val="0"/>
+                </a:srgbClr>
+              </a:clrTo>
+            </a:clrChange>
+            <a:extLst>
+              <a:ext uri="{28A0092B-C50C-407E-A947-70E740481C1C}">
+                <a14:useLocalDpi xmlns:a14="http://schemas.microsoft.com/office/drawing/2010/main" val="0"/>
+              </a:ext>
+            </a:extLst>
+          </a:blip>
+          <a:stretch>
+            <a:fillRect/>
+          </a:stretch>
+        </p:blipFill>
+        <p:spPr>
+          <a:xfrm>
+            <a:off x="2102310" y="0"/>
+            <a:ext cx="8337089" cy="5916500"/>
+          </a:xfrm>
+          <a:prstGeom prst="rect">
+            <a:avLst/>
+          </a:prstGeom>
+        </p:spPr>
+      </p:pic>
       <p:sp>
         <p:nvSpPr>
-          <p:cNvPr id="2" name="Textfeld 1">
+          <p:cNvPr id="4" name="Textfeld 3">
             <a:extLst>
               <a:ext uri="{FF2B5EF4-FFF2-40B4-BE49-F238E27FC236}">
-                <a16:creationId xmlns:a16="http://schemas.microsoft.com/office/drawing/2014/main" id="{2FAEEE68-2A13-4B67-B71F-FF53BDDFCE5B}"/>
+                <a16:creationId xmlns:a16="http://schemas.microsoft.com/office/drawing/2014/main" id="{0195C386-89F1-42BB-B9EA-7EAB54CE1D41}"/>
               </a:ext>
             </a:extLst>
           </p:cNvPr>
@@ -3446,8 +3495,8 @@
         </p:nvSpPr>
         <p:spPr>
           <a:xfrm>
-            <a:off x="230561" y="171450"/>
-            <a:ext cx="7398328" cy="1200329"/>
+            <a:off x="171450" y="96343"/>
+            <a:ext cx="2771775" cy="461665"/>
           </a:xfrm>
           <a:prstGeom prst="rect">
             <a:avLst/>
@@ -3460,66 +3509,400 @@
           </a:bodyPr>
           <a:lstStyle/>
           <a:p>
-            <a:pPr marL="342900" indent="-342900">
-              <a:buFont typeface="+mj-lt"/>
-              <a:buAutoNum type="arabicPeriod"/>
-            </a:pPr>
             <a:r>
-              <a:rPr lang="de-DE" b="1" dirty="0"/>
-              <a:t>Deckblatt</a:t>
-            </a:r>
-          </a:p>
-          <a:p>
-            <a:pPr marL="342900" indent="-342900">
-              <a:buFont typeface="+mj-lt"/>
-              <a:buAutoNum type="arabicPeriod"/>
-            </a:pPr>
-            <a:r>
-              <a:rPr lang="de-DE" b="1" dirty="0"/>
+              <a:rPr lang="en-GB" sz="2400" dirty="0">
+                <a:solidFill>
+                  <a:srgbClr val="2B5880"/>
+                </a:solidFill>
+                <a:latin typeface="MS Reference Sans Serif" panose="020B0604030504040204" pitchFamily="34" charset="0"/>
+              </a:rPr>
               <a:t>UML</a:t>
             </a:r>
           </a:p>
+        </p:txBody>
+      </p:sp>
+    </p:spTree>
+    <p:extLst>
+      <p:ext uri="{BB962C8B-B14F-4D97-AF65-F5344CB8AC3E}">
+        <p14:creationId xmlns:p14="http://schemas.microsoft.com/office/powerpoint/2010/main" val="2985531469"/>
+      </p:ext>
+    </p:extLst>
+  </p:cSld>
+  <p:clrMapOvr>
+    <a:masterClrMapping/>
+  </p:clrMapOvr>
+</p:sld>
+</file>
+
+<file path=ppt/slides/slide3.xml><?xml version="1.0" encoding="utf-8"?>
+<p:sld xmlns:a="http://schemas.openxmlformats.org/drawingml/2006/main" xmlns:r="http://schemas.openxmlformats.org/officeDocument/2006/relationships" xmlns:p="http://schemas.openxmlformats.org/presentationml/2006/main">
+  <p:cSld>
+    <p:spTree>
+      <p:nvGrpSpPr>
+        <p:cNvPr id="1" name=""/>
+        <p:cNvGrpSpPr/>
+        <p:nvPr/>
+      </p:nvGrpSpPr>
+      <p:grpSpPr>
+        <a:xfrm>
+          <a:off x="0" y="0"/>
+          <a:ext cx="0" cy="0"/>
+          <a:chOff x="0" y="0"/>
+          <a:chExt cx="0" cy="0"/>
+        </a:xfrm>
+      </p:grpSpPr>
+      <p:pic>
+        <p:nvPicPr>
+          <p:cNvPr id="3" name="Grafik 2" descr="Ein Bild, das Screenshot enthält.&#10;&#10;Automatisch generierte Beschreibung">
+            <a:extLst>
+              <a:ext uri="{FF2B5EF4-FFF2-40B4-BE49-F238E27FC236}">
+                <a16:creationId xmlns:a16="http://schemas.microsoft.com/office/drawing/2014/main" id="{678741FA-C25E-49AC-82C7-2F8549514CF8}"/>
+              </a:ext>
+            </a:extLst>
+          </p:cNvPr>
+          <p:cNvPicPr>
+            <a:picLocks noChangeAspect="1"/>
+          </p:cNvPicPr>
+          <p:nvPr/>
+        </p:nvPicPr>
+        <p:blipFill rotWithShape="1">
+          <a:blip r:embed="rId2">
+            <a:extLst>
+              <a:ext uri="{28A0092B-C50C-407E-A947-70E740481C1C}">
+                <a14:useLocalDpi xmlns:a14="http://schemas.microsoft.com/office/drawing/2010/main" val="0"/>
+              </a:ext>
+            </a:extLst>
+          </a:blip>
+          <a:srcRect b="56111"/>
+          <a:stretch/>
+        </p:blipFill>
+        <p:spPr>
+          <a:xfrm>
+            <a:off x="514350" y="683716"/>
+            <a:ext cx="5267325" cy="4694550"/>
+          </a:xfrm>
+          <a:prstGeom prst="rect">
+            <a:avLst/>
+          </a:prstGeom>
+        </p:spPr>
+      </p:pic>
+      <p:pic>
+        <p:nvPicPr>
+          <p:cNvPr id="4" name="Grafik 3" descr="Ein Bild, das Screenshot enthält.&#10;&#10;Automatisch generierte Beschreibung">
+            <a:extLst>
+              <a:ext uri="{FF2B5EF4-FFF2-40B4-BE49-F238E27FC236}">
+                <a16:creationId xmlns:a16="http://schemas.microsoft.com/office/drawing/2014/main" id="{56FA46AB-BD9D-4991-9291-920830AF2E70}"/>
+              </a:ext>
+            </a:extLst>
+          </p:cNvPr>
+          <p:cNvPicPr>
+            <a:picLocks noChangeAspect="1"/>
+          </p:cNvPicPr>
+          <p:nvPr/>
+        </p:nvPicPr>
+        <p:blipFill rotWithShape="1">
+          <a:blip r:embed="rId2">
+            <a:clrChange>
+              <a:clrFrom>
+                <a:srgbClr val="FFFFFF"/>
+              </a:clrFrom>
+              <a:clrTo>
+                <a:srgbClr val="FFFFFF">
+                  <a:alpha val="0"/>
+                </a:srgbClr>
+              </a:clrTo>
+            </a:clrChange>
+            <a:extLst>
+              <a:ext uri="{28A0092B-C50C-407E-A947-70E740481C1C}">
+                <a14:useLocalDpi xmlns:a14="http://schemas.microsoft.com/office/drawing/2010/main" val="0"/>
+              </a:ext>
+            </a:extLst>
+          </a:blip>
+          <a:srcRect t="44029" b="1099"/>
+          <a:stretch/>
+        </p:blipFill>
+        <p:spPr>
+          <a:xfrm>
+            <a:off x="6315075" y="96343"/>
+            <a:ext cx="5267325" cy="5869297"/>
+          </a:xfrm>
+          <a:prstGeom prst="rect">
+            <a:avLst/>
+          </a:prstGeom>
+        </p:spPr>
+      </p:pic>
+      <p:sp>
+        <p:nvSpPr>
+          <p:cNvPr id="6" name="Textfeld 5">
+            <a:extLst>
+              <a:ext uri="{FF2B5EF4-FFF2-40B4-BE49-F238E27FC236}">
+                <a16:creationId xmlns:a16="http://schemas.microsoft.com/office/drawing/2014/main" id="{169162B0-D327-4444-92F8-7D8649700F81}"/>
+              </a:ext>
+            </a:extLst>
+          </p:cNvPr>
+          <p:cNvSpPr txBox="1"/>
+          <p:nvPr/>
+        </p:nvSpPr>
+        <p:spPr>
+          <a:xfrm>
+            <a:off x="171450" y="96343"/>
+            <a:ext cx="2771775" cy="461665"/>
+          </a:xfrm>
+          <a:prstGeom prst="rect">
+            <a:avLst/>
+          </a:prstGeom>
+          <a:noFill/>
+        </p:spPr>
+        <p:txBody>
+          <a:bodyPr wrap="square" rtlCol="0">
+            <a:spAutoFit/>
+          </a:bodyPr>
+          <a:lstStyle/>
           <a:p>
-            <a:pPr marL="342900" indent="-342900">
-              <a:buFont typeface="+mj-lt"/>
-              <a:buAutoNum type="arabicPeriod"/>
-            </a:pPr>
             <a:r>
-              <a:rPr lang="de-DE" b="1" dirty="0"/>
-              <a:t>Prozess Grafiken (in Präsi den </a:t>
-            </a:r>
-            <a:r>
-              <a:rPr lang="de-DE" b="1" dirty="0" err="1"/>
-              <a:t>Rent</a:t>
-            </a:r>
-            <a:r>
-              <a:rPr lang="de-DE" b="1" dirty="0"/>
-              <a:t> und Return Prozess erklären)</a:t>
+              <a:rPr lang="en-GB" sz="2400" dirty="0">
+                <a:solidFill>
+                  <a:srgbClr val="2B5880"/>
+                </a:solidFill>
+                <a:latin typeface="MS Reference Sans Serif" panose="020B0604030504040204" pitchFamily="34" charset="0"/>
+              </a:rPr>
+              <a:t>Rent-Process</a:t>
             </a:r>
           </a:p>
+        </p:txBody>
+      </p:sp>
+    </p:spTree>
+    <p:extLst>
+      <p:ext uri="{BB962C8B-B14F-4D97-AF65-F5344CB8AC3E}">
+        <p14:creationId xmlns:p14="http://schemas.microsoft.com/office/powerpoint/2010/main" val="177576685"/>
+      </p:ext>
+    </p:extLst>
+  </p:cSld>
+  <p:clrMapOvr>
+    <a:masterClrMapping/>
+  </p:clrMapOvr>
+</p:sld>
+</file>
+
+<file path=ppt/slides/slide4.xml><?xml version="1.0" encoding="utf-8"?>
+<p:sld xmlns:a="http://schemas.openxmlformats.org/drawingml/2006/main" xmlns:r="http://schemas.openxmlformats.org/officeDocument/2006/relationships" xmlns:p="http://schemas.openxmlformats.org/presentationml/2006/main">
+  <p:cSld>
+    <p:spTree>
+      <p:nvGrpSpPr>
+        <p:cNvPr id="1" name=""/>
+        <p:cNvGrpSpPr/>
+        <p:nvPr/>
+      </p:nvGrpSpPr>
+      <p:grpSpPr>
+        <a:xfrm>
+          <a:off x="0" y="0"/>
+          <a:ext cx="0" cy="0"/>
+          <a:chOff x="0" y="0"/>
+          <a:chExt cx="0" cy="0"/>
+        </a:xfrm>
+      </p:grpSpPr>
+      <p:pic>
+        <p:nvPicPr>
+          <p:cNvPr id="3" name="Grafik 2" descr="Ein Bild, das Screenshot enthält.&#10;&#10;Automatisch generierte Beschreibung">
+            <a:extLst>
+              <a:ext uri="{FF2B5EF4-FFF2-40B4-BE49-F238E27FC236}">
+                <a16:creationId xmlns:a16="http://schemas.microsoft.com/office/drawing/2014/main" id="{E741C0EA-B3F3-4B23-864F-8CB10A36DDFA}"/>
+              </a:ext>
+            </a:extLst>
+          </p:cNvPr>
+          <p:cNvPicPr>
+            <a:picLocks noChangeAspect="1"/>
+          </p:cNvPicPr>
+          <p:nvPr/>
+        </p:nvPicPr>
+        <p:blipFill rotWithShape="1">
+          <a:blip r:embed="rId2">
+            <a:clrChange>
+              <a:clrFrom>
+                <a:srgbClr val="FFFFFF"/>
+              </a:clrFrom>
+              <a:clrTo>
+                <a:srgbClr val="FFFFFF">
+                  <a:alpha val="0"/>
+                </a:srgbClr>
+              </a:clrTo>
+            </a:clrChange>
+            <a:extLst>
+              <a:ext uri="{28A0092B-C50C-407E-A947-70E740481C1C}">
+                <a14:useLocalDpi xmlns:a14="http://schemas.microsoft.com/office/drawing/2010/main" val="0"/>
+              </a:ext>
+            </a:extLst>
+          </a:blip>
+          <a:srcRect b="52965"/>
+          <a:stretch/>
+        </p:blipFill>
+        <p:spPr>
+          <a:xfrm>
+            <a:off x="-105002" y="858533"/>
+            <a:ext cx="6201002" cy="4737495"/>
+          </a:xfrm>
+          <a:prstGeom prst="rect">
+            <a:avLst/>
+          </a:prstGeom>
+        </p:spPr>
+      </p:pic>
+      <p:sp>
+        <p:nvSpPr>
+          <p:cNvPr id="4" name="Textfeld 3">
+            <a:extLst>
+              <a:ext uri="{FF2B5EF4-FFF2-40B4-BE49-F238E27FC236}">
+                <a16:creationId xmlns:a16="http://schemas.microsoft.com/office/drawing/2014/main" id="{37B23942-065E-4E16-BCBE-90D6DD4FAAAE}"/>
+              </a:ext>
+            </a:extLst>
+          </p:cNvPr>
+          <p:cNvSpPr txBox="1"/>
+          <p:nvPr/>
+        </p:nvSpPr>
+        <p:spPr>
+          <a:xfrm>
+            <a:off x="171222" y="76200"/>
+            <a:ext cx="2771775" cy="461665"/>
+          </a:xfrm>
+          <a:prstGeom prst="rect">
+            <a:avLst/>
+          </a:prstGeom>
+          <a:noFill/>
+        </p:spPr>
+        <p:txBody>
+          <a:bodyPr wrap="square" rtlCol="0">
+            <a:spAutoFit/>
+          </a:bodyPr>
+          <a:lstStyle/>
           <a:p>
-            <a:pPr marL="342900" indent="-342900">
-              <a:buFont typeface="+mj-lt"/>
-              <a:buAutoNum type="arabicPeriod"/>
-            </a:pPr>
             <a:r>
-              <a:rPr lang="de-DE" b="1" dirty="0"/>
-              <a:t>Übergang an </a:t>
+              <a:rPr lang="en-GB" sz="2400" dirty="0">
+                <a:solidFill>
+                  <a:srgbClr val="2B5880"/>
+                </a:solidFill>
+                <a:latin typeface="MS Reference Sans Serif" panose="020B0604030504040204" pitchFamily="34" charset="0"/>
+              </a:rPr>
+              <a:t>Return-Process</a:t>
             </a:r>
-            <a:r>
-              <a:rPr lang="de-DE" b="1" dirty="0" err="1"/>
-              <a:t>intellij</a:t>
-            </a:r>
-            <a:endParaRPr lang="de-DE" b="1" dirty="0"/>
           </a:p>
         </p:txBody>
       </p:sp>
       <p:pic>
         <p:nvPicPr>
-          <p:cNvPr id="6" name="Grafik 5" descr="Ein Bild, das Screenshot enthält.&#10;&#10;Automatisch generierte Beschreibung">
+          <p:cNvPr id="5" name="Grafik 4" descr="Ein Bild, das Screenshot enthält.&#10;&#10;Automatisch generierte Beschreibung">
             <a:extLst>
               <a:ext uri="{FF2B5EF4-FFF2-40B4-BE49-F238E27FC236}">
-                <a16:creationId xmlns:a16="http://schemas.microsoft.com/office/drawing/2014/main" id="{061EC7D0-D9DB-497E-B633-B34B5CA6351C}"/>
+                <a16:creationId xmlns:a16="http://schemas.microsoft.com/office/drawing/2014/main" id="{87D4EE05-8FE2-4CCA-A51B-A83164886086}"/>
+              </a:ext>
+            </a:extLst>
+          </p:cNvPr>
+          <p:cNvPicPr>
+            <a:picLocks noChangeAspect="1"/>
+          </p:cNvPicPr>
+          <p:nvPr/>
+        </p:nvPicPr>
+        <p:blipFill rotWithShape="1">
+          <a:blip r:embed="rId2">
+            <a:extLst>
+              <a:ext uri="{28A0092B-C50C-407E-A947-70E740481C1C}">
+                <a14:useLocalDpi xmlns:a14="http://schemas.microsoft.com/office/drawing/2010/main" val="0"/>
+              </a:ext>
+            </a:extLst>
+          </a:blip>
+          <a:srcRect t="47590"/>
+          <a:stretch/>
+        </p:blipFill>
+        <p:spPr>
+          <a:xfrm>
+            <a:off x="5990996" y="458542"/>
+            <a:ext cx="6201004" cy="5278857"/>
+          </a:xfrm>
+          <a:prstGeom prst="rect">
+            <a:avLst/>
+          </a:prstGeom>
+        </p:spPr>
+      </p:pic>
+    </p:spTree>
+    <p:extLst>
+      <p:ext uri="{BB962C8B-B14F-4D97-AF65-F5344CB8AC3E}">
+        <p14:creationId xmlns:p14="http://schemas.microsoft.com/office/powerpoint/2010/main" val="3879518457"/>
+      </p:ext>
+    </p:extLst>
+  </p:cSld>
+  <p:clrMapOvr>
+    <a:masterClrMapping/>
+  </p:clrMapOvr>
+</p:sld>
+</file>
+
+<file path=ppt/slides/slide5.xml><?xml version="1.0" encoding="utf-8"?>
+<p:sld xmlns:a="http://schemas.openxmlformats.org/drawingml/2006/main" xmlns:r="http://schemas.openxmlformats.org/officeDocument/2006/relationships" xmlns:p="http://schemas.openxmlformats.org/presentationml/2006/main">
+  <p:cSld>
+    <p:spTree>
+      <p:nvGrpSpPr>
+        <p:cNvPr id="1" name=""/>
+        <p:cNvGrpSpPr/>
+        <p:nvPr/>
+      </p:nvGrpSpPr>
+      <p:grpSpPr>
+        <a:xfrm>
+          <a:off x="0" y="0"/>
+          <a:ext cx="0" cy="0"/>
+          <a:chOff x="0" y="0"/>
+          <a:chExt cx="0" cy="0"/>
+        </a:xfrm>
+      </p:grpSpPr>
+      <p:sp>
+        <p:nvSpPr>
+          <p:cNvPr id="2" name="Textfeld 1">
+            <a:extLst>
+              <a:ext uri="{FF2B5EF4-FFF2-40B4-BE49-F238E27FC236}">
+                <a16:creationId xmlns:a16="http://schemas.microsoft.com/office/drawing/2014/main" id="{99DBC006-95EA-4BE1-BF7F-DEC9FB1E8B58}"/>
+              </a:ext>
+            </a:extLst>
+          </p:cNvPr>
+          <p:cNvSpPr txBox="1"/>
+          <p:nvPr/>
+        </p:nvSpPr>
+        <p:spPr>
+          <a:xfrm>
+            <a:off x="133350" y="163018"/>
+            <a:ext cx="2771775" cy="461665"/>
+          </a:xfrm>
+          <a:prstGeom prst="rect">
+            <a:avLst/>
+          </a:prstGeom>
+          <a:noFill/>
+        </p:spPr>
+        <p:txBody>
+          <a:bodyPr wrap="square" rtlCol="0">
+            <a:spAutoFit/>
+          </a:bodyPr>
+          <a:lstStyle/>
+          <a:p>
+            <a:r>
+              <a:rPr lang="en-GB" sz="2400">
+                <a:solidFill>
+                  <a:srgbClr val="2B5880"/>
+                </a:solidFill>
+                <a:latin typeface="MS Reference Sans Serif" panose="020B0604030504040204" pitchFamily="34" charset="0"/>
+              </a:rPr>
+              <a:t>IntelliJ</a:t>
+            </a:r>
+            <a:endParaRPr lang="en-GB" sz="2400" dirty="0">
+              <a:solidFill>
+                <a:srgbClr val="2B5880"/>
+              </a:solidFill>
+              <a:latin typeface="MS Reference Sans Serif" panose="020B0604030504040204" pitchFamily="34" charset="0"/>
+            </a:endParaRPr>
+          </a:p>
+        </p:txBody>
+      </p:sp>
+      <p:pic>
+        <p:nvPicPr>
+          <p:cNvPr id="4" name="Grafik 3" descr="Ein Bild, das Person, Mann, drinnen, Hemd enthält.&#10;&#10;Automatisch generierte Beschreibung">
+            <a:extLst>
+              <a:ext uri="{FF2B5EF4-FFF2-40B4-BE49-F238E27FC236}">
+                <a16:creationId xmlns:a16="http://schemas.microsoft.com/office/drawing/2014/main" id="{AD6F515A-DC4B-4A7D-B2FF-A47E9D704C43}"/>
               </a:ext>
             </a:extLst>
           </p:cNvPr>
@@ -3542,115 +3925,8 @@
         </p:blipFill>
         <p:spPr>
           <a:xfrm>
-            <a:off x="5030735" y="771614"/>
-            <a:ext cx="2294501" cy="4659480"/>
-          </a:xfrm>
-          <a:prstGeom prst="rect">
-            <a:avLst/>
-          </a:prstGeom>
-        </p:spPr>
-      </p:pic>
-      <p:pic>
-        <p:nvPicPr>
-          <p:cNvPr id="8" name="Grafik 7" descr="Ein Bild, das Screenshot enthält.&#10;&#10;Automatisch generierte Beschreibung">
-            <a:extLst>
-              <a:ext uri="{FF2B5EF4-FFF2-40B4-BE49-F238E27FC236}">
-                <a16:creationId xmlns:a16="http://schemas.microsoft.com/office/drawing/2014/main" id="{55E80165-002B-47DA-82A6-648994F1F69D}"/>
-              </a:ext>
-            </a:extLst>
-          </p:cNvPr>
-          <p:cNvPicPr>
-            <a:picLocks noChangeAspect="1"/>
-          </p:cNvPicPr>
-          <p:nvPr/>
-        </p:nvPicPr>
-        <p:blipFill>
-          <a:blip r:embed="rId3">
-            <a:extLst>
-              <a:ext uri="{28A0092B-C50C-407E-A947-70E740481C1C}">
-                <a14:useLocalDpi xmlns:a14="http://schemas.microsoft.com/office/drawing/2010/main" val="0"/>
-              </a:ext>
-            </a:extLst>
-          </a:blip>
-          <a:stretch>
-            <a:fillRect/>
-          </a:stretch>
-        </p:blipFill>
-        <p:spPr>
-          <a:xfrm>
-            <a:off x="8161999" y="1256422"/>
-            <a:ext cx="2675089" cy="4345155"/>
-          </a:xfrm>
-          <a:prstGeom prst="rect">
-            <a:avLst/>
-          </a:prstGeom>
-        </p:spPr>
-      </p:pic>
-      <p:pic>
-        <p:nvPicPr>
-          <p:cNvPr id="9" name="Grafik 8" descr="Ein Bild, das Screenshot enthält.&#10;&#10;Automatisch generierte Beschreibung">
-            <a:extLst>
-              <a:ext uri="{FF2B5EF4-FFF2-40B4-BE49-F238E27FC236}">
-                <a16:creationId xmlns:a16="http://schemas.microsoft.com/office/drawing/2014/main" id="{EEFA848B-F315-4CF8-ACD0-0C637AD0B24D}"/>
-              </a:ext>
-            </a:extLst>
-          </p:cNvPr>
-          <p:cNvPicPr>
-            <a:picLocks noChangeAspect="1"/>
-          </p:cNvPicPr>
-          <p:nvPr/>
-        </p:nvPicPr>
-        <p:blipFill rotWithShape="1">
-          <a:blip r:embed="rId2">
-            <a:extLst>
-              <a:ext uri="{28A0092B-C50C-407E-A947-70E740481C1C}">
-                <a14:useLocalDpi xmlns:a14="http://schemas.microsoft.com/office/drawing/2010/main" val="0"/>
-              </a:ext>
-            </a:extLst>
-          </a:blip>
-          <a:srcRect b="33937"/>
-          <a:stretch/>
-        </p:blipFill>
-        <p:spPr>
-          <a:xfrm>
-            <a:off x="641270" y="1451019"/>
-            <a:ext cx="3388733" cy="4546168"/>
-          </a:xfrm>
-          <a:prstGeom prst="rect">
-            <a:avLst/>
-          </a:prstGeom>
-        </p:spPr>
-      </p:pic>
-      <p:pic>
-        <p:nvPicPr>
-          <p:cNvPr id="4" name="Grafik 3">
-            <a:extLst>
-              <a:ext uri="{FF2B5EF4-FFF2-40B4-BE49-F238E27FC236}">
-                <a16:creationId xmlns:a16="http://schemas.microsoft.com/office/drawing/2014/main" id="{4B76633A-7533-44FA-BDCC-A2D5C4191521}"/>
-              </a:ext>
-            </a:extLst>
-          </p:cNvPr>
-          <p:cNvPicPr>
-            <a:picLocks noChangeAspect="1"/>
-          </p:cNvPicPr>
-          <p:nvPr/>
-        </p:nvPicPr>
-        <p:blipFill>
-          <a:blip r:embed="rId4">
-            <a:extLst>
-              <a:ext uri="{28A0092B-C50C-407E-A947-70E740481C1C}">
-                <a14:useLocalDpi xmlns:a14="http://schemas.microsoft.com/office/drawing/2010/main" val="0"/>
-              </a:ext>
-            </a:extLst>
-          </a:blip>
-          <a:stretch>
-            <a:fillRect/>
-          </a:stretch>
-        </p:blipFill>
-        <p:spPr>
-          <a:xfrm>
-            <a:off x="7325236" y="171450"/>
-            <a:ext cx="4003150" cy="3016224"/>
+            <a:off x="3352800" y="962025"/>
+            <a:ext cx="5715000" cy="4286250"/>
           </a:xfrm>
           <a:prstGeom prst="rect">
             <a:avLst/>
@@ -3660,7 +3936,7 @@
     </p:spTree>
     <p:extLst>
       <p:ext uri="{BB962C8B-B14F-4D97-AF65-F5344CB8AC3E}">
-        <p14:creationId xmlns:p14="http://schemas.microsoft.com/office/powerpoint/2010/main" val="257283290"/>
+        <p14:creationId xmlns:p14="http://schemas.microsoft.com/office/powerpoint/2010/main" val="3592083618"/>
       </p:ext>
     </p:extLst>
   </p:cSld>
